--- a/static/documents/SO_TaskForceICJIA_Powerpoint_RecapAndPolicy_20170614.pptx
+++ b/static/documents/SO_TaskForceICJIA_Powerpoint_RecapAndPolicy_20170614.pptx
@@ -24,20 +24,20 @@
     <p:sldId id="331" r:id="rId12"/>
     <p:sldId id="319" r:id="rId13"/>
     <p:sldId id="346" r:id="rId14"/>
-    <p:sldId id="298" r:id="rId15"/>
-    <p:sldId id="332" r:id="rId16"/>
-    <p:sldId id="333" r:id="rId17"/>
-    <p:sldId id="334" r:id="rId18"/>
-    <p:sldId id="335" r:id="rId19"/>
-    <p:sldId id="336" r:id="rId20"/>
-    <p:sldId id="337" r:id="rId21"/>
-    <p:sldId id="338" r:id="rId22"/>
-    <p:sldId id="347" r:id="rId23"/>
-    <p:sldId id="339" r:id="rId24"/>
-    <p:sldId id="340" r:id="rId25"/>
-    <p:sldId id="341" r:id="rId26"/>
-    <p:sldId id="343" r:id="rId27"/>
-    <p:sldId id="344" r:id="rId28"/>
+    <p:sldId id="348" r:id="rId15"/>
+    <p:sldId id="298" r:id="rId16"/>
+    <p:sldId id="332" r:id="rId17"/>
+    <p:sldId id="333" r:id="rId18"/>
+    <p:sldId id="334" r:id="rId19"/>
+    <p:sldId id="335" r:id="rId20"/>
+    <p:sldId id="336" r:id="rId21"/>
+    <p:sldId id="337" r:id="rId22"/>
+    <p:sldId id="338" r:id="rId23"/>
+    <p:sldId id="347" r:id="rId24"/>
+    <p:sldId id="339" r:id="rId25"/>
+    <p:sldId id="340" r:id="rId26"/>
+    <p:sldId id="341" r:id="rId27"/>
+    <p:sldId id="343" r:id="rId28"/>
     <p:sldId id="345" r:id="rId29"/>
   </p:sldIdLst>
   <p:sldSz cx="9144000" cy="6858000" type="screen4x3"/>
@@ -1661,750 +1661,6 @@
       <dsp:cNvGrpSpPr/>
     </dsp:nvGrpSpPr>
     <dsp:grpSpPr/>
-    <dsp:sp modelId="{AC896A14-22A8-4505-AF57-CF427122D0FE}">
-      <dsp:nvSpPr>
-        <dsp:cNvPr id="0" name=""/>
-        <dsp:cNvSpPr/>
-      </dsp:nvSpPr>
-      <dsp:spPr>
-        <a:xfrm rot="5400000">
-          <a:off x="5230778" y="-2113902"/>
-          <a:ext cx="886147" cy="5340096"/>
-        </a:xfrm>
-        <a:prstGeom prst="round2SameRect">
-          <a:avLst/>
-        </a:prstGeom>
-        <a:solidFill>
-          <a:schemeClr val="accent1">
-            <a:alpha val="90000"/>
-            <a:tint val="40000"/>
-            <a:hueOff val="0"/>
-            <a:satOff val="0"/>
-            <a:lumOff val="0"/>
-            <a:alphaOff val="0"/>
-          </a:schemeClr>
-        </a:solidFill>
-        <a:ln w="25400" cap="flat" cmpd="sng" algn="ctr">
-          <a:solidFill>
-            <a:schemeClr val="accent1">
-              <a:alpha val="90000"/>
-              <a:tint val="40000"/>
-              <a:hueOff val="0"/>
-              <a:satOff val="0"/>
-              <a:lumOff val="0"/>
-              <a:alphaOff val="0"/>
-            </a:schemeClr>
-          </a:solidFill>
-          <a:prstDash val="solid"/>
-        </a:ln>
-        <a:effectLst/>
-      </dsp:spPr>
-      <dsp:style>
-        <a:lnRef idx="2">
-          <a:scrgbClr r="0" g="0" b="0"/>
-        </a:lnRef>
-        <a:fillRef idx="1">
-          <a:scrgbClr r="0" g="0" b="0"/>
-        </a:fillRef>
-        <a:effectRef idx="0">
-          <a:scrgbClr r="0" g="0" b="0"/>
-        </a:effectRef>
-        <a:fontRef idx="minor"/>
-      </dsp:style>
-      <dsp:txBody>
-        <a:bodyPr spcFirstLastPara="0" vert="horz" wrap="square" lIns="247650" tIns="123825" rIns="247650" bIns="123825" numCol="1" spcCol="1270" anchor="ctr" anchorCtr="0">
-          <a:noAutofit/>
-        </a:bodyPr>
-        <a:lstStyle/>
-        <a:p>
-          <a:pPr marL="171450" lvl="1" indent="-171450" algn="l" defTabSz="800100">
-            <a:lnSpc>
-              <a:spcPct val="90000"/>
-            </a:lnSpc>
-            <a:spcBef>
-              <a:spcPct val="0"/>
-            </a:spcBef>
-            <a:spcAft>
-              <a:spcPct val="15000"/>
-            </a:spcAft>
-            <a:buChar char="••"/>
-          </a:pPr>
-          <a:r>
-            <a:rPr lang="en-US" sz="1800" kern="1200" dirty="0" smtClean="0"/>
-            <a:t>Recidivism (</a:t>
-          </a:r>
-          <a:r>
-            <a:rPr lang="en-US" sz="1800" kern="1200" dirty="0" err="1" smtClean="0"/>
-            <a:t>Pryzbylski</a:t>
-          </a:r>
-          <a:r>
-            <a:rPr lang="en-US" sz="1800" kern="1200" dirty="0" smtClean="0"/>
-            <a:t>)</a:t>
-          </a:r>
-          <a:endParaRPr lang="en-US" sz="1800" kern="1200" dirty="0"/>
-        </a:p>
-        <a:p>
-          <a:pPr marL="171450" lvl="1" indent="-171450" algn="l" defTabSz="800100">
-            <a:lnSpc>
-              <a:spcPct val="90000"/>
-            </a:lnSpc>
-            <a:spcBef>
-              <a:spcPct val="0"/>
-            </a:spcBef>
-            <a:spcAft>
-              <a:spcPct val="15000"/>
-            </a:spcAft>
-            <a:buChar char="••"/>
-          </a:pPr>
-          <a:r>
-            <a:rPr lang="en-US" sz="1800" kern="1200" dirty="0" smtClean="0"/>
-            <a:t>Risk Assessments (Hanson)</a:t>
-          </a:r>
-          <a:endParaRPr lang="en-US" sz="1800" kern="1200" dirty="0"/>
-        </a:p>
-      </dsp:txBody>
-      <dsp:txXfrm rot="-5400000">
-        <a:off x="3003804" y="156330"/>
-        <a:ext cx="5296838" cy="799631"/>
-      </dsp:txXfrm>
-    </dsp:sp>
-    <dsp:sp modelId="{84528EBD-5331-427D-B3A9-601F9399BE8B}">
-      <dsp:nvSpPr>
-        <dsp:cNvPr id="0" name=""/>
-        <dsp:cNvSpPr/>
-      </dsp:nvSpPr>
-      <dsp:spPr>
-        <a:xfrm>
-          <a:off x="0" y="2302"/>
-          <a:ext cx="3003804" cy="1107684"/>
-        </a:xfrm>
-        <a:prstGeom prst="roundRect">
-          <a:avLst/>
-        </a:prstGeom>
-        <a:solidFill>
-          <a:schemeClr val="accent1">
-            <a:hueOff val="0"/>
-            <a:satOff val="0"/>
-            <a:lumOff val="0"/>
-            <a:alphaOff val="0"/>
-          </a:schemeClr>
-        </a:solidFill>
-        <a:ln w="25400" cap="flat" cmpd="sng" algn="ctr">
-          <a:solidFill>
-            <a:schemeClr val="lt1">
-              <a:hueOff val="0"/>
-              <a:satOff val="0"/>
-              <a:lumOff val="0"/>
-              <a:alphaOff val="0"/>
-            </a:schemeClr>
-          </a:solidFill>
-          <a:prstDash val="solid"/>
-        </a:ln>
-        <a:effectLst/>
-      </dsp:spPr>
-      <dsp:style>
-        <a:lnRef idx="2">
-          <a:scrgbClr r="0" g="0" b="0"/>
-        </a:lnRef>
-        <a:fillRef idx="1">
-          <a:scrgbClr r="0" g="0" b="0"/>
-        </a:fillRef>
-        <a:effectRef idx="0">
-          <a:scrgbClr r="0" g="0" b="0"/>
-        </a:effectRef>
-        <a:fontRef idx="minor">
-          <a:schemeClr val="lt1"/>
-        </a:fontRef>
-      </dsp:style>
-      <dsp:txBody>
-        <a:bodyPr spcFirstLastPara="0" vert="horz" wrap="square" lIns="76200" tIns="38100" rIns="76200" bIns="38100" numCol="1" spcCol="1270" anchor="ctr" anchorCtr="0">
-          <a:noAutofit/>
-        </a:bodyPr>
-        <a:lstStyle/>
-        <a:p>
-          <a:pPr lvl="0" algn="ctr" defTabSz="889000">
-            <a:lnSpc>
-              <a:spcPct val="90000"/>
-            </a:lnSpc>
-            <a:spcBef>
-              <a:spcPct val="0"/>
-            </a:spcBef>
-            <a:spcAft>
-              <a:spcPct val="35000"/>
-            </a:spcAft>
-          </a:pPr>
-          <a:r>
-            <a:rPr lang="en-US" sz="2000" kern="1200" dirty="0" smtClean="0"/>
-            <a:t>Who should be on the registry?</a:t>
-          </a:r>
-          <a:endParaRPr lang="en-US" sz="2000" kern="1200" dirty="0"/>
-        </a:p>
-      </dsp:txBody>
-      <dsp:txXfrm>
-        <a:off x="54073" y="56375"/>
-        <a:ext cx="2895658" cy="999538"/>
-      </dsp:txXfrm>
-    </dsp:sp>
-    <dsp:sp modelId="{1842AFD2-342D-4A70-BA85-D012AA10280C}">
-      <dsp:nvSpPr>
-        <dsp:cNvPr id="0" name=""/>
-        <dsp:cNvSpPr/>
-      </dsp:nvSpPr>
-      <dsp:spPr>
-        <a:xfrm rot="5400000">
-          <a:off x="5230778" y="-950833"/>
-          <a:ext cx="886147" cy="5340096"/>
-        </a:xfrm>
-        <a:prstGeom prst="round2SameRect">
-          <a:avLst/>
-        </a:prstGeom>
-        <a:solidFill>
-          <a:schemeClr val="accent1">
-            <a:alpha val="90000"/>
-            <a:tint val="40000"/>
-            <a:hueOff val="0"/>
-            <a:satOff val="0"/>
-            <a:lumOff val="0"/>
-            <a:alphaOff val="0"/>
-          </a:schemeClr>
-        </a:solidFill>
-        <a:ln w="25400" cap="flat" cmpd="sng" algn="ctr">
-          <a:solidFill>
-            <a:schemeClr val="accent1">
-              <a:alpha val="90000"/>
-              <a:tint val="40000"/>
-              <a:hueOff val="0"/>
-              <a:satOff val="0"/>
-              <a:lumOff val="0"/>
-              <a:alphaOff val="0"/>
-            </a:schemeClr>
-          </a:solidFill>
-          <a:prstDash val="solid"/>
-        </a:ln>
-        <a:effectLst/>
-      </dsp:spPr>
-      <dsp:style>
-        <a:lnRef idx="2">
-          <a:scrgbClr r="0" g="0" b="0"/>
-        </a:lnRef>
-        <a:fillRef idx="1">
-          <a:scrgbClr r="0" g="0" b="0"/>
-        </a:fillRef>
-        <a:effectRef idx="0">
-          <a:scrgbClr r="0" g="0" b="0"/>
-        </a:effectRef>
-        <a:fontRef idx="minor"/>
-      </dsp:style>
-      <dsp:txBody>
-        <a:bodyPr spcFirstLastPara="0" vert="horz" wrap="square" lIns="247650" tIns="123825" rIns="247650" bIns="123825" numCol="1" spcCol="1270" anchor="ctr" anchorCtr="0">
-          <a:noAutofit/>
-        </a:bodyPr>
-        <a:lstStyle/>
-        <a:p>
-          <a:pPr marL="171450" lvl="1" indent="-171450" algn="l" defTabSz="800100">
-            <a:lnSpc>
-              <a:spcPct val="90000"/>
-            </a:lnSpc>
-            <a:spcBef>
-              <a:spcPct val="0"/>
-            </a:spcBef>
-            <a:spcAft>
-              <a:spcPct val="15000"/>
-            </a:spcAft>
-            <a:buChar char="••"/>
-          </a:pPr>
-          <a:r>
-            <a:rPr lang="en-US" sz="1800" kern="1200" dirty="0" smtClean="0"/>
-            <a:t>Risk Assessments (Hanson)</a:t>
-          </a:r>
-          <a:endParaRPr lang="en-US" sz="1800" kern="1200" dirty="0"/>
-        </a:p>
-      </dsp:txBody>
-      <dsp:txXfrm rot="-5400000">
-        <a:off x="3003804" y="1319399"/>
-        <a:ext cx="5296838" cy="799631"/>
-      </dsp:txXfrm>
-    </dsp:sp>
-    <dsp:sp modelId="{9B76CAB2-820A-4985-85FF-79CFCFCA2F2B}">
-      <dsp:nvSpPr>
-        <dsp:cNvPr id="0" name=""/>
-        <dsp:cNvSpPr/>
-      </dsp:nvSpPr>
-      <dsp:spPr>
-        <a:xfrm>
-          <a:off x="0" y="1165371"/>
-          <a:ext cx="3003804" cy="1107684"/>
-        </a:xfrm>
-        <a:prstGeom prst="roundRect">
-          <a:avLst/>
-        </a:prstGeom>
-        <a:solidFill>
-          <a:schemeClr val="accent1">
-            <a:hueOff val="0"/>
-            <a:satOff val="0"/>
-            <a:lumOff val="0"/>
-            <a:alphaOff val="0"/>
-          </a:schemeClr>
-        </a:solidFill>
-        <a:ln w="25400" cap="flat" cmpd="sng" algn="ctr">
-          <a:solidFill>
-            <a:schemeClr val="lt1">
-              <a:hueOff val="0"/>
-              <a:satOff val="0"/>
-              <a:lumOff val="0"/>
-              <a:alphaOff val="0"/>
-            </a:schemeClr>
-          </a:solidFill>
-          <a:prstDash val="solid"/>
-        </a:ln>
-        <a:effectLst/>
-      </dsp:spPr>
-      <dsp:style>
-        <a:lnRef idx="2">
-          <a:scrgbClr r="0" g="0" b="0"/>
-        </a:lnRef>
-        <a:fillRef idx="1">
-          <a:scrgbClr r="0" g="0" b="0"/>
-        </a:fillRef>
-        <a:effectRef idx="0">
-          <a:scrgbClr r="0" g="0" b="0"/>
-        </a:effectRef>
-        <a:fontRef idx="minor">
-          <a:schemeClr val="lt1"/>
-        </a:fontRef>
-      </dsp:style>
-      <dsp:txBody>
-        <a:bodyPr spcFirstLastPara="0" vert="horz" wrap="square" lIns="76200" tIns="38100" rIns="76200" bIns="38100" numCol="1" spcCol="1270" anchor="ctr" anchorCtr="0">
-          <a:noAutofit/>
-        </a:bodyPr>
-        <a:lstStyle/>
-        <a:p>
-          <a:pPr lvl="0" algn="ctr" defTabSz="889000">
-            <a:lnSpc>
-              <a:spcPct val="90000"/>
-            </a:lnSpc>
-            <a:spcBef>
-              <a:spcPct val="0"/>
-            </a:spcBef>
-            <a:spcAft>
-              <a:spcPct val="35000"/>
-            </a:spcAft>
-          </a:pPr>
-          <a:r>
-            <a:rPr lang="en-US" sz="2000" kern="1200" dirty="0" smtClean="0"/>
-            <a:t>How should the registry be structured?</a:t>
-          </a:r>
-          <a:endParaRPr lang="en-US" sz="2000" kern="1200" dirty="0"/>
-        </a:p>
-      </dsp:txBody>
-      <dsp:txXfrm>
-        <a:off x="54073" y="1219444"/>
-        <a:ext cx="2895658" cy="999538"/>
-      </dsp:txXfrm>
-    </dsp:sp>
-    <dsp:sp modelId="{65FF6229-E37D-4A18-BA50-BA74BE28033E}">
-      <dsp:nvSpPr>
-        <dsp:cNvPr id="0" name=""/>
-        <dsp:cNvSpPr/>
-      </dsp:nvSpPr>
-      <dsp:spPr>
-        <a:xfrm rot="5400000">
-          <a:off x="5230778" y="212234"/>
-          <a:ext cx="886147" cy="5340096"/>
-        </a:xfrm>
-        <a:prstGeom prst="round2SameRect">
-          <a:avLst/>
-        </a:prstGeom>
-        <a:solidFill>
-          <a:schemeClr val="accent1">
-            <a:alpha val="90000"/>
-            <a:tint val="40000"/>
-            <a:hueOff val="0"/>
-            <a:satOff val="0"/>
-            <a:lumOff val="0"/>
-            <a:alphaOff val="0"/>
-          </a:schemeClr>
-        </a:solidFill>
-        <a:ln w="25400" cap="flat" cmpd="sng" algn="ctr">
-          <a:solidFill>
-            <a:schemeClr val="accent1">
-              <a:alpha val="90000"/>
-              <a:tint val="40000"/>
-              <a:hueOff val="0"/>
-              <a:satOff val="0"/>
-              <a:lumOff val="0"/>
-              <a:alphaOff val="0"/>
-            </a:schemeClr>
-          </a:solidFill>
-          <a:prstDash val="solid"/>
-        </a:ln>
-        <a:effectLst/>
-      </dsp:spPr>
-      <dsp:style>
-        <a:lnRef idx="2">
-          <a:scrgbClr r="0" g="0" b="0"/>
-        </a:lnRef>
-        <a:fillRef idx="1">
-          <a:scrgbClr r="0" g="0" b="0"/>
-        </a:fillRef>
-        <a:effectRef idx="0">
-          <a:scrgbClr r="0" g="0" b="0"/>
-        </a:effectRef>
-        <a:fontRef idx="minor"/>
-      </dsp:style>
-      <dsp:txBody>
-        <a:bodyPr spcFirstLastPara="0" vert="horz" wrap="square" lIns="247650" tIns="123825" rIns="247650" bIns="123825" numCol="1" spcCol="1270" anchor="ctr" anchorCtr="0">
-          <a:noAutofit/>
-        </a:bodyPr>
-        <a:lstStyle/>
-        <a:p>
-          <a:pPr marL="171450" lvl="1" indent="-171450" algn="l" defTabSz="800100">
-            <a:lnSpc>
-              <a:spcPct val="90000"/>
-            </a:lnSpc>
-            <a:spcBef>
-              <a:spcPct val="0"/>
-            </a:spcBef>
-            <a:spcAft>
-              <a:spcPct val="15000"/>
-            </a:spcAft>
-            <a:buChar char="••"/>
-          </a:pPr>
-          <a:r>
-            <a:rPr lang="en-US" sz="1800" kern="1200" dirty="0" smtClean="0"/>
-            <a:t>Registration Notification (</a:t>
-          </a:r>
-          <a:r>
-            <a:rPr lang="en-US" sz="1800" kern="1200" dirty="0" err="1" smtClean="0"/>
-            <a:t>Lobanov-Rostovsky</a:t>
-          </a:r>
-          <a:r>
-            <a:rPr lang="en-US" sz="1800" kern="1200" dirty="0" smtClean="0"/>
-            <a:t>)</a:t>
-          </a:r>
-          <a:endParaRPr lang="en-US" sz="1800" kern="1200" dirty="0"/>
-        </a:p>
-        <a:p>
-          <a:pPr marL="171450" lvl="1" indent="-171450" algn="l" defTabSz="800100">
-            <a:lnSpc>
-              <a:spcPct val="90000"/>
-            </a:lnSpc>
-            <a:spcBef>
-              <a:spcPct val="0"/>
-            </a:spcBef>
-            <a:spcAft>
-              <a:spcPct val="15000"/>
-            </a:spcAft>
-            <a:buChar char="••"/>
-          </a:pPr>
-          <a:r>
-            <a:rPr lang="en-US" sz="1800" kern="1200" dirty="0" smtClean="0"/>
-            <a:t>Residency Restrictions (</a:t>
-          </a:r>
-          <a:r>
-            <a:rPr lang="en-US" sz="1800" kern="1200" dirty="0" err="1" smtClean="0"/>
-            <a:t>Lovanov-Rostovsky</a:t>
-          </a:r>
-          <a:r>
-            <a:rPr lang="en-US" sz="1800" kern="1200" dirty="0" smtClean="0"/>
-            <a:t>)</a:t>
-          </a:r>
-          <a:endParaRPr lang="en-US" sz="1800" kern="1200" dirty="0"/>
-        </a:p>
-      </dsp:txBody>
-      <dsp:txXfrm rot="-5400000">
-        <a:off x="3003804" y="2482466"/>
-        <a:ext cx="5296838" cy="799631"/>
-      </dsp:txXfrm>
-    </dsp:sp>
-    <dsp:sp modelId="{F8ACDEAA-318E-4AF7-BF27-8067D0DE9D31}">
-      <dsp:nvSpPr>
-        <dsp:cNvPr id="0" name=""/>
-        <dsp:cNvSpPr/>
-      </dsp:nvSpPr>
-      <dsp:spPr>
-        <a:xfrm>
-          <a:off x="0" y="2328440"/>
-          <a:ext cx="3003804" cy="1107684"/>
-        </a:xfrm>
-        <a:prstGeom prst="roundRect">
-          <a:avLst/>
-        </a:prstGeom>
-        <a:solidFill>
-          <a:schemeClr val="accent1">
-            <a:hueOff val="0"/>
-            <a:satOff val="0"/>
-            <a:lumOff val="0"/>
-            <a:alphaOff val="0"/>
-          </a:schemeClr>
-        </a:solidFill>
-        <a:ln w="25400" cap="flat" cmpd="sng" algn="ctr">
-          <a:solidFill>
-            <a:schemeClr val="lt1">
-              <a:hueOff val="0"/>
-              <a:satOff val="0"/>
-              <a:lumOff val="0"/>
-              <a:alphaOff val="0"/>
-            </a:schemeClr>
-          </a:solidFill>
-          <a:prstDash val="solid"/>
-        </a:ln>
-        <a:effectLst/>
-      </dsp:spPr>
-      <dsp:style>
-        <a:lnRef idx="2">
-          <a:scrgbClr r="0" g="0" b="0"/>
-        </a:lnRef>
-        <a:fillRef idx="1">
-          <a:scrgbClr r="0" g="0" b="0"/>
-        </a:fillRef>
-        <a:effectRef idx="0">
-          <a:scrgbClr r="0" g="0" b="0"/>
-        </a:effectRef>
-        <a:fontRef idx="minor">
-          <a:schemeClr val="lt1"/>
-        </a:fontRef>
-      </dsp:style>
-      <dsp:txBody>
-        <a:bodyPr spcFirstLastPara="0" vert="horz" wrap="square" lIns="76200" tIns="38100" rIns="76200" bIns="38100" numCol="1" spcCol="1270" anchor="ctr" anchorCtr="0">
-          <a:noAutofit/>
-        </a:bodyPr>
-        <a:lstStyle/>
-        <a:p>
-          <a:pPr lvl="0" algn="ctr" defTabSz="889000">
-            <a:lnSpc>
-              <a:spcPct val="90000"/>
-            </a:lnSpc>
-            <a:spcBef>
-              <a:spcPct val="0"/>
-            </a:spcBef>
-            <a:spcAft>
-              <a:spcPct val="35000"/>
-            </a:spcAft>
-          </a:pPr>
-          <a:r>
-            <a:rPr lang="en-US" sz="2000" kern="1200" dirty="0" smtClean="0"/>
-            <a:t>How should the registry work?</a:t>
-          </a:r>
-          <a:endParaRPr lang="en-US" sz="2000" kern="1200" dirty="0"/>
-        </a:p>
-      </dsp:txBody>
-      <dsp:txXfrm>
-        <a:off x="54073" y="2382513"/>
-        <a:ext cx="2895658" cy="999538"/>
-      </dsp:txXfrm>
-    </dsp:sp>
-    <dsp:sp modelId="{555AF1A9-CCC8-4FF5-B379-7FD5AB2B66B2}">
-      <dsp:nvSpPr>
-        <dsp:cNvPr id="0" name=""/>
-        <dsp:cNvSpPr/>
-      </dsp:nvSpPr>
-      <dsp:spPr>
-        <a:xfrm rot="5400000">
-          <a:off x="5230778" y="1375303"/>
-          <a:ext cx="886147" cy="5340096"/>
-        </a:xfrm>
-        <a:prstGeom prst="round2SameRect">
-          <a:avLst/>
-        </a:prstGeom>
-        <a:solidFill>
-          <a:schemeClr val="accent1">
-            <a:alpha val="90000"/>
-            <a:tint val="40000"/>
-            <a:hueOff val="0"/>
-            <a:satOff val="0"/>
-            <a:lumOff val="0"/>
-            <a:alphaOff val="0"/>
-          </a:schemeClr>
-        </a:solidFill>
-        <a:ln w="25400" cap="flat" cmpd="sng" algn="ctr">
-          <a:solidFill>
-            <a:schemeClr val="accent1">
-              <a:alpha val="90000"/>
-              <a:tint val="40000"/>
-              <a:hueOff val="0"/>
-              <a:satOff val="0"/>
-              <a:lumOff val="0"/>
-              <a:alphaOff val="0"/>
-            </a:schemeClr>
-          </a:solidFill>
-          <a:prstDash val="solid"/>
-        </a:ln>
-        <a:effectLst/>
-      </dsp:spPr>
-      <dsp:style>
-        <a:lnRef idx="2">
-          <a:scrgbClr r="0" g="0" b="0"/>
-        </a:lnRef>
-        <a:fillRef idx="1">
-          <a:scrgbClr r="0" g="0" b="0"/>
-        </a:fillRef>
-        <a:effectRef idx="0">
-          <a:scrgbClr r="0" g="0" b="0"/>
-        </a:effectRef>
-        <a:fontRef idx="minor"/>
-      </dsp:style>
-      <dsp:txBody>
-        <a:bodyPr spcFirstLastPara="0" vert="horz" wrap="square" lIns="247650" tIns="123825" rIns="247650" bIns="123825" numCol="1" spcCol="1270" anchor="ctr" anchorCtr="0">
-          <a:noAutofit/>
-        </a:bodyPr>
-        <a:lstStyle/>
-        <a:p>
-          <a:pPr marL="171450" lvl="1" indent="-171450" algn="l" defTabSz="800100">
-            <a:lnSpc>
-              <a:spcPct val="90000"/>
-            </a:lnSpc>
-            <a:spcBef>
-              <a:spcPct val="0"/>
-            </a:spcBef>
-            <a:spcAft>
-              <a:spcPct val="15000"/>
-            </a:spcAft>
-            <a:buChar char="••"/>
-          </a:pPr>
-          <a:r>
-            <a:rPr lang="en-US" sz="1800" kern="1200" dirty="0" smtClean="0"/>
-            <a:t>Risk Assessments (Hanson)</a:t>
-          </a:r>
-          <a:endParaRPr lang="en-US" sz="1800" kern="1200" dirty="0"/>
-        </a:p>
-        <a:p>
-          <a:pPr marL="171450" lvl="1" indent="-171450" algn="l" defTabSz="800100">
-            <a:lnSpc>
-              <a:spcPct val="90000"/>
-            </a:lnSpc>
-            <a:spcBef>
-              <a:spcPct val="0"/>
-            </a:spcBef>
-            <a:spcAft>
-              <a:spcPct val="15000"/>
-            </a:spcAft>
-            <a:buChar char="••"/>
-          </a:pPr>
-          <a:r>
-            <a:rPr lang="en-US" sz="1800" kern="1200" dirty="0" smtClean="0"/>
-            <a:t>Treatment (</a:t>
-          </a:r>
-          <a:r>
-            <a:rPr lang="en-US" sz="1800" kern="1200" dirty="0" err="1" smtClean="0"/>
-            <a:t>Pryzbylski</a:t>
-          </a:r>
-          <a:r>
-            <a:rPr lang="en-US" sz="1800" kern="1200" dirty="0" smtClean="0"/>
-            <a:t>)</a:t>
-          </a:r>
-          <a:endParaRPr lang="en-US" sz="1800" kern="1200" dirty="0"/>
-        </a:p>
-        <a:p>
-          <a:pPr marL="171450" lvl="1" indent="-171450" algn="l" defTabSz="800100">
-            <a:lnSpc>
-              <a:spcPct val="90000"/>
-            </a:lnSpc>
-            <a:spcBef>
-              <a:spcPct val="0"/>
-            </a:spcBef>
-            <a:spcAft>
-              <a:spcPct val="15000"/>
-            </a:spcAft>
-            <a:buChar char="••"/>
-          </a:pPr>
-          <a:r>
-            <a:rPr lang="en-US" sz="1800" kern="1200" dirty="0" smtClean="0"/>
-            <a:t>Residency Restrictions (</a:t>
-          </a:r>
-          <a:r>
-            <a:rPr lang="en-US" sz="1800" kern="1200" dirty="0" err="1" smtClean="0"/>
-            <a:t>Lovanov-Rostovsky</a:t>
-          </a:r>
-          <a:r>
-            <a:rPr lang="en-US" sz="1800" kern="1200" dirty="0" smtClean="0"/>
-            <a:t>)</a:t>
-          </a:r>
-          <a:endParaRPr lang="en-US" sz="1800" kern="1200" dirty="0"/>
-        </a:p>
-      </dsp:txBody>
-      <dsp:txXfrm rot="-5400000">
-        <a:off x="3003804" y="3645535"/>
-        <a:ext cx="5296838" cy="799631"/>
-      </dsp:txXfrm>
-    </dsp:sp>
-    <dsp:sp modelId="{388E2545-FE7E-4F0F-B844-3C8C42DBDCD1}">
-      <dsp:nvSpPr>
-        <dsp:cNvPr id="0" name=""/>
-        <dsp:cNvSpPr/>
-      </dsp:nvSpPr>
-      <dsp:spPr>
-        <a:xfrm>
-          <a:off x="0" y="3491509"/>
-          <a:ext cx="3003804" cy="1107684"/>
-        </a:xfrm>
-        <a:prstGeom prst="roundRect">
-          <a:avLst/>
-        </a:prstGeom>
-        <a:solidFill>
-          <a:schemeClr val="accent1">
-            <a:hueOff val="0"/>
-            <a:satOff val="0"/>
-            <a:lumOff val="0"/>
-            <a:alphaOff val="0"/>
-          </a:schemeClr>
-        </a:solidFill>
-        <a:ln w="25400" cap="flat" cmpd="sng" algn="ctr">
-          <a:solidFill>
-            <a:schemeClr val="lt1">
-              <a:hueOff val="0"/>
-              <a:satOff val="0"/>
-              <a:lumOff val="0"/>
-              <a:alphaOff val="0"/>
-            </a:schemeClr>
-          </a:solidFill>
-          <a:prstDash val="solid"/>
-        </a:ln>
-        <a:effectLst/>
-      </dsp:spPr>
-      <dsp:style>
-        <a:lnRef idx="2">
-          <a:scrgbClr r="0" g="0" b="0"/>
-        </a:lnRef>
-        <a:fillRef idx="1">
-          <a:scrgbClr r="0" g="0" b="0"/>
-        </a:fillRef>
-        <a:effectRef idx="0">
-          <a:scrgbClr r="0" g="0" b="0"/>
-        </a:effectRef>
-        <a:fontRef idx="minor">
-          <a:schemeClr val="lt1"/>
-        </a:fontRef>
-      </dsp:style>
-      <dsp:txBody>
-        <a:bodyPr spcFirstLastPara="0" vert="horz" wrap="square" lIns="76200" tIns="38100" rIns="76200" bIns="38100" numCol="1" spcCol="1270" anchor="ctr" anchorCtr="0">
-          <a:noAutofit/>
-        </a:bodyPr>
-        <a:lstStyle/>
-        <a:p>
-          <a:pPr lvl="0" algn="ctr" defTabSz="889000">
-            <a:lnSpc>
-              <a:spcPct val="90000"/>
-            </a:lnSpc>
-            <a:spcBef>
-              <a:spcPct val="0"/>
-            </a:spcBef>
-            <a:spcAft>
-              <a:spcPct val="35000"/>
-            </a:spcAft>
-          </a:pPr>
-          <a:r>
-            <a:rPr lang="en-US" sz="2000" kern="1200" dirty="0" smtClean="0"/>
-            <a:t>What restrictions or other requirements should exist?</a:t>
-          </a:r>
-          <a:endParaRPr lang="en-US" sz="2000" kern="1200" dirty="0"/>
-        </a:p>
-      </dsp:txBody>
-      <dsp:txXfrm>
-        <a:off x="54073" y="3545582"/>
-        <a:ext cx="2895658" cy="999538"/>
-      </dsp:txXfrm>
-    </dsp:sp>
   </dsp:spTree>
 </dsp:drawing>
 </file>
@@ -3771,7 +3027,7 @@
               <a:pPr>
                 <a:defRPr/>
               </a:pPr>
-              <a:t>6/9/2017</a:t>
+              <a:t>6/14/2017</a:t>
             </a:fld>
             <a:endParaRPr lang="en-US"/>
           </a:p>
@@ -3972,7 +3228,7 @@
               <a:pPr>
                 <a:defRPr/>
               </a:pPr>
-              <a:t>6/9/2017</a:t>
+              <a:t>6/14/2017</a:t>
             </a:fld>
             <a:endParaRPr lang="en-US"/>
           </a:p>
@@ -4930,7 +4186,7 @@
             <a:fld id="{20D0EAAA-6D7F-4571-B92A-95FFA4AEE662}" type="datetime1">
               <a:rPr lang="en-US" altLang="en-US"/>
               <a:pPr/>
-              <a:t>6/9/2017</a:t>
+              <a:t>6/14/2017</a:t>
             </a:fld>
             <a:r>
               <a:rPr lang="en-US" altLang="en-US"/>
@@ -5160,7 +4416,7 @@
             <a:fld id="{20D0EAAA-6D7F-4571-B92A-95FFA4AEE662}" type="datetime1">
               <a:rPr lang="en-US" altLang="en-US"/>
               <a:pPr/>
-              <a:t>6/9/2017</a:t>
+              <a:t>6/14/2017</a:t>
             </a:fld>
             <a:r>
               <a:rPr lang="en-US" altLang="en-US"/>
@@ -5300,7 +4556,7 @@
             <a:fld id="{20D0EAAA-6D7F-4571-B92A-95FFA4AEE662}" type="datetime1">
               <a:rPr lang="en-US" altLang="en-US"/>
               <a:pPr/>
-              <a:t>6/9/2017</a:t>
+              <a:t>6/14/2017</a:t>
             </a:fld>
             <a:r>
               <a:rPr lang="en-US" altLang="en-US"/>
@@ -5450,7 +4706,7 @@
             <a:fld id="{20D0EAAA-6D7F-4571-B92A-95FFA4AEE662}" type="datetime1">
               <a:rPr lang="en-US" altLang="en-US"/>
               <a:pPr/>
-              <a:t>6/9/2017</a:t>
+              <a:t>6/14/2017</a:t>
             </a:fld>
             <a:r>
               <a:rPr lang="en-US" altLang="en-US"/>
@@ -5539,7 +4795,7 @@
             <a:fld id="{20D0EAAA-6D7F-4571-B92A-95FFA4AEE662}" type="datetime1">
               <a:rPr lang="en-US" altLang="en-US"/>
               <a:pPr/>
-              <a:t>6/9/2017</a:t>
+              <a:t>6/14/2017</a:t>
             </a:fld>
             <a:r>
               <a:rPr lang="en-US" altLang="en-US"/>
@@ -5751,7 +5007,7 @@
             <a:fld id="{20D0EAAA-6D7F-4571-B92A-95FFA4AEE662}" type="datetime1">
               <a:rPr lang="en-US" altLang="en-US"/>
               <a:pPr/>
-              <a:t>6/9/2017</a:t>
+              <a:t>6/14/2017</a:t>
             </a:fld>
             <a:r>
               <a:rPr lang="en-US" altLang="en-US"/>
@@ -5891,7 +5147,7 @@
             <a:fld id="{20D0EAAA-6D7F-4571-B92A-95FFA4AEE662}" type="datetime1">
               <a:rPr lang="en-US" altLang="en-US"/>
               <a:pPr/>
-              <a:t>6/9/2017</a:t>
+              <a:t>6/14/2017</a:t>
             </a:fld>
             <a:r>
               <a:rPr lang="en-US" altLang="en-US"/>
@@ -5980,7 +5236,7 @@
             <a:fld id="{20D0EAAA-6D7F-4571-B92A-95FFA4AEE662}" type="datetime1">
               <a:rPr lang="en-US" altLang="en-US"/>
               <a:pPr/>
-              <a:t>6/9/2017</a:t>
+              <a:t>6/14/2017</a:t>
             </a:fld>
             <a:r>
               <a:rPr lang="en-US" altLang="en-US"/>
@@ -6197,7 +5453,7 @@
             <a:fld id="{20D0EAAA-6D7F-4571-B92A-95FFA4AEE662}" type="datetime1">
               <a:rPr lang="en-US" altLang="en-US"/>
               <a:pPr/>
-              <a:t>6/9/2017</a:t>
+              <a:t>6/14/2017</a:t>
             </a:fld>
             <a:r>
               <a:rPr lang="en-US" altLang="en-US"/>
@@ -6454,7 +5710,7 @@
             <a:fld id="{20D0EAAA-6D7F-4571-B92A-95FFA4AEE662}" type="datetime1">
               <a:rPr lang="en-US" altLang="en-US"/>
               <a:pPr/>
-              <a:t>6/9/2017</a:t>
+              <a:t>6/14/2017</a:t>
             </a:fld>
             <a:r>
               <a:rPr lang="en-US" altLang="en-US"/>
@@ -6850,7 +6106,7 @@
             <a:fld id="{20D0EAAA-6D7F-4571-B92A-95FFA4AEE662}" type="datetime1">
               <a:rPr lang="en-US" altLang="en-US"/>
               <a:pPr/>
-              <a:t>6/9/2017</a:t>
+              <a:t>6/14/2017</a:t>
             </a:fld>
             <a:r>
               <a:rPr lang="en-US" altLang="en-US"/>
@@ -6939,7 +6195,7 @@
             <a:fld id="{20D0EAAA-6D7F-4571-B92A-95FFA4AEE662}" type="datetime1">
               <a:rPr lang="en-US" altLang="en-US"/>
               <a:pPr/>
-              <a:t>6/9/2017</a:t>
+              <a:t>6/14/2017</a:t>
             </a:fld>
             <a:r>
               <a:rPr lang="en-US" altLang="en-US"/>
@@ -7006,7 +6262,7 @@
             <a:fld id="{20D0EAAA-6D7F-4571-B92A-95FFA4AEE662}" type="datetime1">
               <a:rPr lang="en-US" altLang="en-US"/>
               <a:pPr/>
-              <a:t>6/9/2017</a:t>
+              <a:t>6/14/2017</a:t>
             </a:fld>
             <a:r>
               <a:rPr lang="en-US" altLang="en-US"/>
@@ -7402,7 +6658,7 @@
             <a:fld id="{20D0EAAA-6D7F-4571-B92A-95FFA4AEE662}" type="datetime1">
               <a:rPr lang="en-US" altLang="en-US"/>
               <a:pPr/>
-              <a:t>6/9/2017</a:t>
+              <a:t>6/14/2017</a:t>
             </a:fld>
             <a:r>
               <a:rPr lang="en-US" altLang="en-US"/>
@@ -8296,7 +7552,7 @@
                 <a:latin typeface="Times New Roman" panose="02020603050405020304" pitchFamily="18" charset="0"/>
               </a:rPr>
               <a:pPr eaLnBrk="1" hangingPunct="1"/>
-              <a:t>6/9/2017</a:t>
+              <a:t>6/14/2017</a:t>
             </a:fld>
             <a:r>
               <a:rPr lang="en-US" altLang="en-US">
@@ -8369,7 +7625,7 @@
             <a:fld id="{20D0EAAA-6D7F-4571-B92A-95FFA4AEE662}" type="datetime1">
               <a:rPr lang="en-US" altLang="en-US" smtClean="0"/>
               <a:pPr/>
-              <a:t>6/9/2017</a:t>
+              <a:t>6/14/2017</a:t>
             </a:fld>
             <a:r>
               <a:rPr lang="en-US" altLang="en-US" smtClean="0"/>
@@ -8821,7 +8077,7 @@
             <a:fld id="{20D0EAAA-6D7F-4571-B92A-95FFA4AEE662}" type="datetime1">
               <a:rPr lang="en-US" altLang="en-US" smtClean="0"/>
               <a:pPr/>
-              <a:t>6/9/2017</a:t>
+              <a:t>6/14/2017</a:t>
             </a:fld>
             <a:r>
               <a:rPr lang="en-US" altLang="en-US" smtClean="0"/>
@@ -9375,7 +8631,15 @@
             </a:pPr>
             <a:r>
               <a:rPr lang="en-US" sz="2000" dirty="0" smtClean="0"/>
-              <a:t>Certain offenders cannot live within 500 feet of school, parks, playgrounds, daycares, facility providing services to those under 18</a:t>
+              <a:t>Certain offenders cannot live within 500 feet of </a:t>
+            </a:r>
+            <a:r>
+              <a:rPr lang="en-US" sz="2000" dirty="0" smtClean="0"/>
+              <a:t>schools, </a:t>
+            </a:r>
+            <a:r>
+              <a:rPr lang="en-US" sz="2000" dirty="0" smtClean="0"/>
+              <a:t>playgrounds, daycares, facility providing services to those under 18</a:t>
             </a:r>
           </a:p>
           <a:p>
@@ -9416,7 +8680,7 @@
             <a:fld id="{20D0EAAA-6D7F-4571-B92A-95FFA4AEE662}" type="datetime1">
               <a:rPr lang="en-US" altLang="en-US" smtClean="0"/>
               <a:pPr/>
-              <a:t>6/9/2017</a:t>
+              <a:t>6/14/2017</a:t>
             </a:fld>
             <a:r>
               <a:rPr lang="en-US" altLang="en-US" smtClean="0"/>
@@ -9704,7 +8968,7 @@
                 <a:latin typeface="Times New Roman" panose="02020603050405020304" pitchFamily="18" charset="0"/>
               </a:rPr>
               <a:pPr eaLnBrk="1" hangingPunct="1"/>
-              <a:t>6/9/2017</a:t>
+              <a:t>6/14/2017</a:t>
             </a:fld>
             <a:r>
               <a:rPr lang="en-US" altLang="en-US">
@@ -9812,21 +9076,21 @@
           <a:bodyPr/>
           <a:lstStyle/>
           <a:p>
-            <a:pPr marL="457200" indent="-457200">
-              <a:buAutoNum type="alphaUcPeriod"/>
+            <a:pPr marL="514350" indent="-514350">
+              <a:buFont typeface="+mj-lt"/>
+              <a:buAutoNum type="alphaUcPeriod" startAt="4"/>
             </a:pPr>
             <a:r>
               <a:rPr lang="en-US" sz="2600" b="1" dirty="0" smtClean="0"/>
-              <a:t>Utilize </a:t>
-            </a:r>
-            <a:r>
-              <a:rPr lang="en-US" sz="2600" b="1" dirty="0"/>
-              <a:t>Risk-Assessments Post Conviction for Treatment and Management </a:t>
-            </a:r>
-            <a:r>
-              <a:rPr lang="en-US" sz="2600" b="1" dirty="0" smtClean="0"/>
-              <a:t>Purposes</a:t>
-            </a:r>
+              <a:t>Infrastructure Concerns</a:t>
+            </a:r>
+          </a:p>
+          <a:p>
+            <a:pPr marL="514350" indent="-514350">
+              <a:buFont typeface="+mj-lt"/>
+              <a:buAutoNum type="alphaUcPeriod" startAt="4"/>
+            </a:pPr>
+            <a:endParaRPr lang="en-US" sz="2600" b="1" dirty="0" smtClean="0"/>
           </a:p>
           <a:p>
             <a:pPr marL="457200" indent="-457200">
@@ -9834,25 +9098,16 @@
               <a:buAutoNum type="arabicParenR"/>
             </a:pPr>
             <a:r>
-              <a:rPr lang="en-US" sz="2400" dirty="0" smtClean="0"/>
-              <a:t>Illinois </a:t>
-            </a:r>
-            <a:r>
-              <a:rPr lang="en-US" sz="2400" dirty="0"/>
-              <a:t>should use validated, structured risk assessments to identify </a:t>
-            </a:r>
-            <a:r>
-              <a:rPr lang="en-US" sz="2400" dirty="0" smtClean="0"/>
-              <a:t>risk to </a:t>
-            </a:r>
-            <a:r>
-              <a:rPr lang="en-US" sz="2400" dirty="0"/>
-              <a:t>sexually reoffend as well as general offending risk</a:t>
-            </a:r>
-            <a:r>
-              <a:rPr lang="en-US" sz="2400" dirty="0" smtClean="0"/>
-              <a:t>.</a:t>
-            </a:r>
+              <a:rPr lang="en-US" sz="2500" dirty="0" smtClean="0"/>
+              <a:t>Restructure and Strengthen SOMB</a:t>
+            </a:r>
+          </a:p>
+          <a:p>
+            <a:pPr marL="457200" indent="-457200">
+              <a:buFont typeface="+mj-lt"/>
+              <a:buAutoNum type="arabicParenR"/>
+            </a:pPr>
+            <a:endParaRPr lang="en-US" sz="2400" dirty="0" smtClean="0"/>
           </a:p>
           <a:p>
             <a:pPr marL="457200" indent="-457200">
@@ -9860,20 +9115,38 @@
               <a:buAutoNum type="alphaLcPeriod"/>
             </a:pPr>
             <a:r>
+              <a:rPr lang="en-US" sz="2400" dirty="0" smtClean="0"/>
+              <a:t>Establish </a:t>
+            </a:r>
+            <a:r>
               <a:rPr lang="en-US" sz="2400" dirty="0"/>
-              <a:t>The risk assessments should be used to place an offender into a category or </a:t>
+              <a:t>SOMB as an independent agency that is staffed and directed by an expert with a clinical background specializing in sex offender assessment and treatment</a:t>
             </a:r>
             <a:r>
               <a:rPr lang="en-US" sz="2400" dirty="0" smtClean="0"/>
-              <a:t>tier:</a:t>
-            </a:r>
+              <a:t>.</a:t>
+            </a:r>
+          </a:p>
+          <a:p>
+            <a:pPr marL="457200" indent="-457200">
+              <a:buFont typeface="+mj-lt"/>
+              <a:buAutoNum type="alphaLcPeriod"/>
+            </a:pPr>
             <a:endParaRPr lang="en-US" sz="2400" dirty="0"/>
           </a:p>
           <a:p>
-            <a:pPr marL="0" indent="0">
-              <a:buNone/>
-            </a:pPr>
-            <a:endParaRPr lang="en-US" sz="2000" dirty="0"/>
+            <a:pPr marL="457200" indent="-457200">
+              <a:buFont typeface="+mj-lt"/>
+              <a:buAutoNum type="alphaLcPeriod"/>
+            </a:pPr>
+            <a:r>
+              <a:rPr lang="en-US" sz="2400" dirty="0" smtClean="0"/>
+              <a:t>Add training </a:t>
+            </a:r>
+            <a:r>
+              <a:rPr lang="en-US" sz="2400" dirty="0"/>
+              <a:t>around the registry (including judicial training) as a function of SOMB.</a:t>
+            </a:r>
           </a:p>
           <a:p>
             <a:pPr marL="0" lvl="0" indent="0">
@@ -9901,7 +9174,7 @@
             <a:fld id="{20D0EAAA-6D7F-4571-B92A-95FFA4AEE662}" type="datetime1">
               <a:rPr lang="en-US" altLang="en-US" smtClean="0"/>
               <a:pPr/>
-              <a:t>6/9/2017</a:t>
+              <a:t>6/14/2017</a:t>
             </a:fld>
             <a:r>
               <a:rPr lang="en-US" altLang="en-US" smtClean="0"/>
@@ -9916,32 +9189,10 @@
           </a:p>
         </p:txBody>
       </p:sp>
-      <p:pic>
-        <p:nvPicPr>
-          <p:cNvPr id="9" name="Picture 8"/>
-          <p:cNvPicPr/>
-          <p:nvPr/>
-        </p:nvPicPr>
-        <p:blipFill>
-          <a:blip r:embed="rId2"/>
-          <a:stretch>
-            <a:fillRect/>
-          </a:stretch>
-        </p:blipFill>
-        <p:spPr>
-          <a:xfrm>
-            <a:off x="1193965" y="3917868"/>
-            <a:ext cx="6756070" cy="2406732"/>
-          </a:xfrm>
-          <a:prstGeom prst="rect">
-            <a:avLst/>
-          </a:prstGeom>
-        </p:spPr>
-      </p:pic>
     </p:spTree>
     <p:extLst>
       <p:ext uri="{BB962C8B-B14F-4D97-AF65-F5344CB8AC3E}">
-        <p14:creationId xmlns:p14="http://schemas.microsoft.com/office/powerpoint/2010/main" val="928792619"/>
+        <p14:creationId xmlns:p14="http://schemas.microsoft.com/office/powerpoint/2010/main" val="1871934792"/>
       </p:ext>
     </p:extLst>
   </p:cSld>
@@ -9992,33 +9243,15 @@
               <a:buAutoNum type="alphaUcPeriod"/>
             </a:pPr>
             <a:r>
-              <a:rPr lang="en-US" sz="2600" b="1" i="1" dirty="0" smtClean="0">
-                <a:solidFill>
-                  <a:schemeClr val="bg1">
-                    <a:lumMod val="65000"/>
-                  </a:schemeClr>
-                </a:solidFill>
-              </a:rPr>
+              <a:rPr lang="en-US" sz="2600" b="1" dirty="0" smtClean="0"/>
               <a:t>Utilize </a:t>
             </a:r>
             <a:r>
-              <a:rPr lang="en-US" sz="2600" b="1" i="1" dirty="0">
-                <a:solidFill>
-                  <a:schemeClr val="bg1">
-                    <a:lumMod val="65000"/>
-                  </a:schemeClr>
-                </a:solidFill>
-              </a:rPr>
+              <a:rPr lang="en-US" sz="2600" b="1" dirty="0"/>
               <a:t>Risk-Assessments Post Conviction for Treatment and Management </a:t>
             </a:r>
             <a:r>
-              <a:rPr lang="en-US" sz="2600" b="1" i="1" dirty="0" smtClean="0">
-                <a:solidFill>
-                  <a:schemeClr val="bg1">
-                    <a:lumMod val="65000"/>
-                  </a:schemeClr>
-                </a:solidFill>
-              </a:rPr>
+              <a:rPr lang="en-US" sz="2600" b="1" dirty="0" smtClean="0"/>
               <a:t>Purposes</a:t>
             </a:r>
           </a:p>
@@ -10028,69 +9261,40 @@
               <a:buAutoNum type="arabicParenR"/>
             </a:pPr>
             <a:r>
-              <a:rPr lang="en-US" sz="2400" i="1" dirty="0" smtClean="0">
-                <a:solidFill>
-                  <a:schemeClr val="bg1">
-                    <a:lumMod val="65000"/>
-                  </a:schemeClr>
-                </a:solidFill>
-              </a:rPr>
+              <a:rPr lang="en-US" sz="2400" dirty="0" smtClean="0"/>
               <a:t>Illinois </a:t>
             </a:r>
             <a:r>
-              <a:rPr lang="en-US" sz="2400" i="1" dirty="0">
-                <a:solidFill>
-                  <a:schemeClr val="bg1">
-                    <a:lumMod val="65000"/>
-                  </a:schemeClr>
-                </a:solidFill>
-              </a:rPr>
-              <a:t>should use validated, structured risk assessments to identify risk </a:t>
-            </a:r>
-            <a:r>
-              <a:rPr lang="en-US" sz="2400" i="1" dirty="0" smtClean="0">
-                <a:solidFill>
-                  <a:schemeClr val="bg1">
-                    <a:lumMod val="65000"/>
-                  </a:schemeClr>
-                </a:solidFill>
-              </a:rPr>
-              <a:t>  to </a:t>
-            </a:r>
-            <a:r>
-              <a:rPr lang="en-US" sz="2400" i="1" dirty="0">
-                <a:solidFill>
-                  <a:schemeClr val="bg1">
-                    <a:lumMod val="65000"/>
-                  </a:schemeClr>
-                </a:solidFill>
-              </a:rPr>
-              <a:t>sexually reoffend as well as general offending </a:t>
-            </a:r>
-            <a:r>
-              <a:rPr lang="en-US" sz="2400" i="1" dirty="0" smtClean="0">
-                <a:solidFill>
-                  <a:schemeClr val="bg1">
-                    <a:lumMod val="65000"/>
-                  </a:schemeClr>
-                </a:solidFill>
-              </a:rPr>
-              <a:t>risk.</a:t>
+              <a:rPr lang="en-US" sz="2400" dirty="0"/>
+              <a:t>should use validated, structured risk assessments to identify </a:t>
+            </a:r>
+            <a:r>
+              <a:rPr lang="en-US" sz="2400" dirty="0" smtClean="0"/>
+              <a:t>risk to </a:t>
+            </a:r>
+            <a:r>
+              <a:rPr lang="en-US" sz="2400" dirty="0"/>
+              <a:t>sexually reoffend as well as general offending risk</a:t>
+            </a:r>
+            <a:r>
+              <a:rPr lang="en-US" sz="2400" dirty="0" smtClean="0"/>
+              <a:t>.</a:t>
             </a:r>
           </a:p>
           <a:p>
             <a:pPr marL="457200" indent="-457200">
               <a:buFont typeface="+mj-lt"/>
-              <a:buAutoNum type="alphaLcPeriod" startAt="2"/>
-            </a:pPr>
+              <a:buAutoNum type="alphaLcPeriod"/>
+            </a:pPr>
+            <a:r>
+              <a:rPr lang="en-US" sz="2400" dirty="0"/>
+              <a:t>The risk assessments should be used to place an offender into a category or </a:t>
+            </a:r>
             <a:r>
               <a:rPr lang="en-US" sz="2400" dirty="0" smtClean="0"/>
-              <a:t>The </a:t>
-            </a:r>
-            <a:r>
-              <a:rPr lang="en-US" sz="2400" dirty="0"/>
-              <a:t>state should standardize the risk assessment process to promote consistency across those conducting the assessments. This includes specifying which validated, structured risk assessments are most appropriate. One possible method involves combining usage of the Static-99R (for static factors) with the STABLE-2007 (for quality of psychological and community adjustment) to assess persons and place them into risk categories/tiers.</a:t>
-            </a:r>
+              <a:t>tier:</a:t>
+            </a:r>
+            <a:endParaRPr lang="en-US" sz="2400" dirty="0"/>
           </a:p>
           <a:p>
             <a:pPr marL="0" indent="0">
@@ -10124,7 +9328,7 @@
             <a:fld id="{20D0EAAA-6D7F-4571-B92A-95FFA4AEE662}" type="datetime1">
               <a:rPr lang="en-US" altLang="en-US" smtClean="0"/>
               <a:pPr/>
-              <a:t>6/9/2017</a:t>
+              <a:t>6/14/2017</a:t>
             </a:fld>
             <a:r>
               <a:rPr lang="en-US" altLang="en-US" smtClean="0"/>
@@ -10139,10 +9343,32 @@
           </a:p>
         </p:txBody>
       </p:sp>
+      <p:pic>
+        <p:nvPicPr>
+          <p:cNvPr id="9" name="Picture 8"/>
+          <p:cNvPicPr/>
+          <p:nvPr/>
+        </p:nvPicPr>
+        <p:blipFill>
+          <a:blip r:embed="rId2"/>
+          <a:stretch>
+            <a:fillRect/>
+          </a:stretch>
+        </p:blipFill>
+        <p:spPr>
+          <a:xfrm>
+            <a:off x="1193965" y="3917868"/>
+            <a:ext cx="6756070" cy="2406732"/>
+          </a:xfrm>
+          <a:prstGeom prst="rect">
+            <a:avLst/>
+          </a:prstGeom>
+        </p:spPr>
+      </p:pic>
     </p:spTree>
     <p:extLst>
       <p:ext uri="{BB962C8B-B14F-4D97-AF65-F5344CB8AC3E}">
-        <p14:creationId xmlns:p14="http://schemas.microsoft.com/office/powerpoint/2010/main" val="682153794"/>
+        <p14:creationId xmlns:p14="http://schemas.microsoft.com/office/powerpoint/2010/main" val="928792619"/>
       </p:ext>
     </p:extLst>
   </p:cSld>
@@ -10225,18 +9451,72 @@
           </a:p>
           <a:p>
             <a:pPr marL="457200" indent="-457200">
-              <a:buAutoNum type="alphaUcPeriod"/>
-            </a:pPr>
-            <a:endParaRPr lang="en-US" sz="2600" b="1" dirty="0" smtClean="0"/>
+              <a:buFont typeface="+mj-lt"/>
+              <a:buAutoNum type="arabicParenR"/>
+            </a:pPr>
+            <a:r>
+              <a:rPr lang="en-US" sz="2400" i="1" dirty="0" smtClean="0">
+                <a:solidFill>
+                  <a:schemeClr val="bg1">
+                    <a:lumMod val="65000"/>
+                  </a:schemeClr>
+                </a:solidFill>
+              </a:rPr>
+              <a:t>Illinois </a:t>
+            </a:r>
+            <a:r>
+              <a:rPr lang="en-US" sz="2400" i="1" dirty="0">
+                <a:solidFill>
+                  <a:schemeClr val="bg1">
+                    <a:lumMod val="65000"/>
+                  </a:schemeClr>
+                </a:solidFill>
+              </a:rPr>
+              <a:t>should use validated, structured risk assessments to identify risk </a:t>
+            </a:r>
+            <a:r>
+              <a:rPr lang="en-US" sz="2400" i="1" dirty="0" smtClean="0">
+                <a:solidFill>
+                  <a:schemeClr val="bg1">
+                    <a:lumMod val="65000"/>
+                  </a:schemeClr>
+                </a:solidFill>
+              </a:rPr>
+              <a:t>  to </a:t>
+            </a:r>
+            <a:r>
+              <a:rPr lang="en-US" sz="2400" i="1" dirty="0">
+                <a:solidFill>
+                  <a:schemeClr val="bg1">
+                    <a:lumMod val="65000"/>
+                  </a:schemeClr>
+                </a:solidFill>
+              </a:rPr>
+              <a:t>sexually reoffend as well as general offending </a:t>
+            </a:r>
+            <a:r>
+              <a:rPr lang="en-US" sz="2400" i="1" dirty="0" smtClean="0">
+                <a:solidFill>
+                  <a:schemeClr val="bg1">
+                    <a:lumMod val="65000"/>
+                  </a:schemeClr>
+                </a:solidFill>
+              </a:rPr>
+              <a:t>risk.</a:t>
+            </a:r>
           </a:p>
           <a:p>
             <a:pPr marL="457200" indent="-457200">
               <a:buFont typeface="+mj-lt"/>
-              <a:buAutoNum type="arabicParenR" startAt="2"/>
-            </a:pPr>
+              <a:buAutoNum type="alphaLcPeriod" startAt="2"/>
+            </a:pPr>
+            <a:r>
+              <a:rPr lang="en-US" sz="2400" dirty="0" smtClean="0"/>
+              <a:t>The </a:t>
+            </a:r>
             <a:r>
               <a:rPr lang="en-US" sz="2400" dirty="0"/>
-              <a:t>Risk assessments should be administered after conviction by state certified treatment providers, and re-administered ideally once a year, but minimally every two years.</a:t>
+              <a:t>state should standardize the risk assessment process to promote consistency across those conducting the assessments. This includes specifying which validated, structured risk assessments are most appropriate. One possible method involves combining usage of the Static-99R (for static factors) with the STABLE-2007 (for quality of psychological and community adjustment) to assess persons and place them into risk categories/tiers.</a:t>
             </a:r>
           </a:p>
           <a:p>
@@ -10271,7 +9551,7 @@
             <a:fld id="{20D0EAAA-6D7F-4571-B92A-95FFA4AEE662}" type="datetime1">
               <a:rPr lang="en-US" altLang="en-US" smtClean="0"/>
               <a:pPr/>
-              <a:t>6/9/2017</a:t>
+              <a:t>6/14/2017</a:t>
             </a:fld>
             <a:r>
               <a:rPr lang="en-US" altLang="en-US" smtClean="0"/>
@@ -10289,7 +9569,7 @@
     </p:spTree>
     <p:extLst>
       <p:ext uri="{BB962C8B-B14F-4D97-AF65-F5344CB8AC3E}">
-        <p14:creationId xmlns:p14="http://schemas.microsoft.com/office/powerpoint/2010/main" val="992651268"/>
+        <p14:creationId xmlns:p14="http://schemas.microsoft.com/office/powerpoint/2010/main" val="682153794"/>
       </p:ext>
     </p:extLst>
   </p:cSld>
@@ -10377,13 +9657,13 @@
             <a:endParaRPr lang="en-US" sz="2600" b="1" dirty="0" smtClean="0"/>
           </a:p>
           <a:p>
-            <a:pPr marL="457200" lvl="0" indent="-457200">
+            <a:pPr marL="457200" indent="-457200">
               <a:buFont typeface="+mj-lt"/>
-              <a:buAutoNum type="arabicParenR" startAt="3"/>
+              <a:buAutoNum type="arabicParenR" startAt="2"/>
             </a:pPr>
             <a:r>
               <a:rPr lang="en-US" sz="2400" dirty="0"/>
-              <a:t>Risk assessments should be used to guide management and treatment plans, not just identify risk.</a:t>
+              <a:t>Risk assessments should be administered after conviction by state certified treatment providers, and re-administered ideally once a year, but minimally every two years.</a:t>
             </a:r>
           </a:p>
           <a:p>
@@ -10418,7 +9698,7 @@
             <a:fld id="{20D0EAAA-6D7F-4571-B92A-95FFA4AEE662}" type="datetime1">
               <a:rPr lang="en-US" altLang="en-US" smtClean="0"/>
               <a:pPr/>
-              <a:t>6/9/2017</a:t>
+              <a:t>6/14/2017</a:t>
             </a:fld>
             <a:r>
               <a:rPr lang="en-US" altLang="en-US" smtClean="0"/>
@@ -10436,7 +9716,7 @@
     </p:spTree>
     <p:extLst>
       <p:ext uri="{BB962C8B-B14F-4D97-AF65-F5344CB8AC3E}">
-        <p14:creationId xmlns:p14="http://schemas.microsoft.com/office/powerpoint/2010/main" val="1828871787"/>
+        <p14:creationId xmlns:p14="http://schemas.microsoft.com/office/powerpoint/2010/main" val="992651268"/>
       </p:ext>
     </p:extLst>
   </p:cSld>
@@ -10526,11 +9806,11 @@
           <a:p>
             <a:pPr marL="457200" lvl="0" indent="-457200">
               <a:buFont typeface="+mj-lt"/>
-              <a:buAutoNum type="arabicParenR" startAt="4"/>
+              <a:buAutoNum type="arabicParenR" startAt="3"/>
             </a:pPr>
             <a:r>
               <a:rPr lang="en-US" sz="2400" dirty="0"/>
-              <a:t>Treatment should be informed by risk-assessments.</a:t>
+              <a:t>Risk assessments should be used to guide management and treatment plans, not just identify risk.</a:t>
             </a:r>
           </a:p>
           <a:p>
@@ -10565,7 +9845,7 @@
             <a:fld id="{20D0EAAA-6D7F-4571-B92A-95FFA4AEE662}" type="datetime1">
               <a:rPr lang="en-US" altLang="en-US" smtClean="0"/>
               <a:pPr/>
-              <a:t>6/9/2017</a:t>
+              <a:t>6/14/2017</a:t>
             </a:fld>
             <a:r>
               <a:rPr lang="en-US" altLang="en-US" smtClean="0"/>
@@ -10583,7 +9863,7 @@
     </p:spTree>
     <p:extLst>
       <p:ext uri="{BB962C8B-B14F-4D97-AF65-F5344CB8AC3E}">
-        <p14:creationId xmlns:p14="http://schemas.microsoft.com/office/powerpoint/2010/main" val="4057790773"/>
+        <p14:creationId xmlns:p14="http://schemas.microsoft.com/office/powerpoint/2010/main" val="1828871787"/>
       </p:ext>
     </p:extLst>
   </p:cSld>
@@ -10673,11 +9953,11 @@
           <a:p>
             <a:pPr marL="457200" lvl="0" indent="-457200">
               <a:buFont typeface="+mj-lt"/>
-              <a:buAutoNum type="arabicParenR" startAt="5"/>
+              <a:buAutoNum type="arabicParenR" startAt="4"/>
             </a:pPr>
             <a:r>
               <a:rPr lang="en-US" sz="2400" dirty="0"/>
-              <a:t>Variations from the validated, structured risk assessment scores should be documented and explained. The risk assessment results should be one factor considered by treatment providers or those supervising sex offenders in the community.</a:t>
+              <a:t>Treatment should be informed by risk-assessments.</a:t>
             </a:r>
           </a:p>
           <a:p>
@@ -10712,7 +9992,7 @@
             <a:fld id="{20D0EAAA-6D7F-4571-B92A-95FFA4AEE662}" type="datetime1">
               <a:rPr lang="en-US" altLang="en-US" smtClean="0"/>
               <a:pPr/>
-              <a:t>6/9/2017</a:t>
+              <a:t>6/14/2017</a:t>
             </a:fld>
             <a:r>
               <a:rPr lang="en-US" altLang="en-US" smtClean="0"/>
@@ -10730,7 +10010,7 @@
     </p:spTree>
     <p:extLst>
       <p:ext uri="{BB962C8B-B14F-4D97-AF65-F5344CB8AC3E}">
-        <p14:creationId xmlns:p14="http://schemas.microsoft.com/office/powerpoint/2010/main" val="3208506020"/>
+        <p14:creationId xmlns:p14="http://schemas.microsoft.com/office/powerpoint/2010/main" val="4057790773"/>
       </p:ext>
     </p:extLst>
   </p:cSld>
@@ -10837,7 +10117,7 @@
             <a:fld id="{20D0EAAA-6D7F-4571-B92A-95FFA4AEE662}" type="datetime1">
               <a:rPr lang="en-US" altLang="en-US" smtClean="0"/>
               <a:pPr/>
-              <a:t>6/9/2017</a:t>
+              <a:t>6/14/2017</a:t>
             </a:fld>
             <a:r>
               <a:rPr lang="en-US" altLang="en-US" smtClean="0"/>
@@ -10902,47 +10182,60 @@
           <a:bodyPr/>
           <a:lstStyle/>
           <a:p>
-            <a:pPr marL="514350" indent="-514350">
+            <a:pPr marL="457200" indent="-457200">
+              <a:buAutoNum type="alphaUcPeriod"/>
+            </a:pPr>
+            <a:r>
+              <a:rPr lang="en-US" sz="2600" b="1" i="1" dirty="0" smtClean="0">
+                <a:solidFill>
+                  <a:schemeClr val="bg1">
+                    <a:lumMod val="65000"/>
+                  </a:schemeClr>
+                </a:solidFill>
+              </a:rPr>
+              <a:t>Utilize </a:t>
+            </a:r>
+            <a:r>
+              <a:rPr lang="en-US" sz="2600" b="1" i="1" dirty="0">
+                <a:solidFill>
+                  <a:schemeClr val="bg1">
+                    <a:lumMod val="65000"/>
+                  </a:schemeClr>
+                </a:solidFill>
+              </a:rPr>
+              <a:t>Risk-Assessments Post Conviction for Treatment and Management </a:t>
+            </a:r>
+            <a:r>
+              <a:rPr lang="en-US" sz="2600" b="1" i="1" dirty="0" smtClean="0">
+                <a:solidFill>
+                  <a:schemeClr val="bg1">
+                    <a:lumMod val="65000"/>
+                  </a:schemeClr>
+                </a:solidFill>
+              </a:rPr>
+              <a:t>Purposes</a:t>
+            </a:r>
+          </a:p>
+          <a:p>
+            <a:pPr marL="457200" indent="-457200">
+              <a:buAutoNum type="alphaUcPeriod"/>
+            </a:pPr>
+            <a:endParaRPr lang="en-US" sz="2600" b="1" dirty="0" smtClean="0"/>
+          </a:p>
+          <a:p>
+            <a:pPr marL="457200" lvl="0" indent="-457200">
               <a:buFont typeface="+mj-lt"/>
-              <a:buAutoNum type="alphaUcPeriod" startAt="2"/>
-            </a:pPr>
-            <a:r>
-              <a:rPr lang="en-US" sz="2600" b="1" dirty="0" smtClean="0"/>
-              <a:t>Reform Current Registry</a:t>
-            </a:r>
-          </a:p>
-          <a:p>
-            <a:pPr marL="457200" indent="-457200">
-              <a:buFont typeface="+mj-lt"/>
-              <a:buAutoNum type="arabicParenR"/>
-            </a:pPr>
-            <a:r>
-              <a:rPr lang="en-US" sz="2400" dirty="0" smtClean="0"/>
-              <a:t>Use a registry tier system </a:t>
-            </a:r>
+              <a:buAutoNum type="arabicParenR" startAt="5"/>
+            </a:pPr>
             <a:r>
               <a:rPr lang="en-US" sz="2400" dirty="0"/>
-              <a:t>that reflects actual risk of sexual re-offending (informed by the risk-assessment conducted post-conviction).</a:t>
-            </a:r>
-            <a:endParaRPr lang="en-US" sz="2400" dirty="0" smtClean="0"/>
-          </a:p>
-          <a:p>
-            <a:pPr marL="457200" indent="-457200">
-              <a:buFont typeface="+mj-lt"/>
-              <a:buAutoNum type="alphaLcPeriod"/>
-            </a:pPr>
-            <a:r>
-              <a:rPr lang="en-US" sz="2400" dirty="0" smtClean="0"/>
-              <a:t>The </a:t>
-            </a:r>
-            <a:r>
-              <a:rPr lang="en-US" sz="2400" dirty="0"/>
-              <a:t>different tiers should differentiate lengths of time on the public </a:t>
-            </a:r>
-            <a:r>
-              <a:rPr lang="en-US" sz="2400" dirty="0" smtClean="0"/>
-              <a:t>registry:</a:t>
-            </a:r>
+              <a:t>Variations from the validated, structured risk assessment scores should be documented and explained. The risk assessment results should be one factor considered by treatment providers or those supervising sex offenders in the community.</a:t>
+            </a:r>
+          </a:p>
+          <a:p>
+            <a:pPr marL="0" indent="0">
+              <a:buNone/>
+            </a:pPr>
             <a:endParaRPr lang="en-US" sz="2000" dirty="0"/>
           </a:p>
           <a:p>
@@ -10971,7 +10264,7 @@
             <a:fld id="{20D0EAAA-6D7F-4571-B92A-95FFA4AEE662}" type="datetime1">
               <a:rPr lang="en-US" altLang="en-US" smtClean="0"/>
               <a:pPr/>
-              <a:t>6/9/2017</a:t>
+              <a:t>6/14/2017</a:t>
             </a:fld>
             <a:r>
               <a:rPr lang="en-US" altLang="en-US" smtClean="0"/>
@@ -10986,32 +10279,10 @@
           </a:p>
         </p:txBody>
       </p:sp>
-      <p:pic>
-        <p:nvPicPr>
-          <p:cNvPr id="5" name="Picture 4"/>
-          <p:cNvPicPr/>
-          <p:nvPr/>
-        </p:nvPicPr>
-        <p:blipFill>
-          <a:blip r:embed="rId2"/>
-          <a:stretch>
-            <a:fillRect/>
-          </a:stretch>
-        </p:blipFill>
-        <p:spPr>
-          <a:xfrm>
-            <a:off x="2729459" y="3429000"/>
-            <a:ext cx="3429000" cy="2895600"/>
-          </a:xfrm>
-          <a:prstGeom prst="rect">
-            <a:avLst/>
-          </a:prstGeom>
-        </p:spPr>
-      </p:pic>
     </p:spTree>
     <p:extLst>
       <p:ext uri="{BB962C8B-B14F-4D97-AF65-F5344CB8AC3E}">
-        <p14:creationId xmlns:p14="http://schemas.microsoft.com/office/powerpoint/2010/main" val="1001742359"/>
+        <p14:creationId xmlns:p14="http://schemas.microsoft.com/office/powerpoint/2010/main" val="3208506020"/>
       </p:ext>
     </p:extLst>
   </p:cSld>
@@ -11063,13 +10334,7 @@
               <a:buAutoNum type="alphaUcPeriod" startAt="2"/>
             </a:pPr>
             <a:r>
-              <a:rPr lang="en-US" sz="2600" b="1" i="1" dirty="0" smtClean="0">
-                <a:solidFill>
-                  <a:schemeClr val="bg1">
-                    <a:lumMod val="65000"/>
-                  </a:schemeClr>
-                </a:solidFill>
-              </a:rPr>
+              <a:rPr lang="en-US" sz="2600" b="1" dirty="0" smtClean="0"/>
               <a:t>Reform Current Registry</a:t>
             </a:r>
           </a:p>
@@ -11079,46 +10344,33 @@
               <a:buAutoNum type="arabicParenR"/>
             </a:pPr>
             <a:r>
-              <a:rPr lang="en-US" sz="2400" i="1" dirty="0" smtClean="0">
-                <a:solidFill>
-                  <a:schemeClr val="bg1">
-                    <a:lumMod val="65000"/>
-                  </a:schemeClr>
-                </a:solidFill>
-              </a:rPr>
+              <a:rPr lang="en-US" sz="2400" dirty="0" smtClean="0"/>
               <a:t>Use a registry tier system </a:t>
             </a:r>
             <a:r>
-              <a:rPr lang="en-US" sz="2400" i="1" dirty="0">
-                <a:solidFill>
-                  <a:schemeClr val="bg1">
-                    <a:lumMod val="65000"/>
-                  </a:schemeClr>
-                </a:solidFill>
-              </a:rPr>
+              <a:rPr lang="en-US" sz="2400" dirty="0"/>
               <a:t>that reflects actual risk of sexual re-offending (informed by the risk-assessment conducted post-conviction).</a:t>
             </a:r>
-            <a:endParaRPr lang="en-US" sz="2400" i="1" dirty="0" smtClean="0">
-              <a:solidFill>
-                <a:schemeClr val="bg1">
-                  <a:lumMod val="65000"/>
-                </a:schemeClr>
-              </a:solidFill>
-            </a:endParaRPr>
+            <a:endParaRPr lang="en-US" sz="2400" dirty="0" smtClean="0"/>
           </a:p>
           <a:p>
             <a:pPr marL="457200" indent="-457200">
               <a:buFont typeface="+mj-lt"/>
-              <a:buAutoNum type="alphaLcPeriod" startAt="2"/>
+              <a:buAutoNum type="alphaLcPeriod"/>
             </a:pPr>
             <a:r>
               <a:rPr lang="en-US" sz="2400" dirty="0" smtClean="0"/>
-              <a:t>In </a:t>
+              <a:t>The </a:t>
             </a:r>
             <a:r>
               <a:rPr lang="en-US" sz="2400" dirty="0"/>
-              <a:t>addition to the lower levels automatically coming off the public registry after their set duration (i.e. 5 years, 10 years, etc.), registrants should be allowed the potential to be removed from the public registry (i.e. petition to be removed if they meet certain criteria).</a:t>
-            </a:r>
+              <a:t>different tiers should differentiate lengths of time on the public </a:t>
+            </a:r>
+            <a:r>
+              <a:rPr lang="en-US" sz="2400" dirty="0" smtClean="0"/>
+              <a:t>registry:</a:t>
+            </a:r>
+            <a:endParaRPr lang="en-US" sz="2000" dirty="0"/>
           </a:p>
           <a:p>
             <a:pPr marL="0" lvl="0" indent="0">
@@ -11146,7 +10398,7 @@
             <a:fld id="{20D0EAAA-6D7F-4571-B92A-95FFA4AEE662}" type="datetime1">
               <a:rPr lang="en-US" altLang="en-US" smtClean="0"/>
               <a:pPr/>
-              <a:t>6/9/2017</a:t>
+              <a:t>6/14/2017</a:t>
             </a:fld>
             <a:r>
               <a:rPr lang="en-US" altLang="en-US" smtClean="0"/>
@@ -11161,10 +10413,32 @@
           </a:p>
         </p:txBody>
       </p:sp>
+      <p:pic>
+        <p:nvPicPr>
+          <p:cNvPr id="5" name="Picture 4"/>
+          <p:cNvPicPr/>
+          <p:nvPr/>
+        </p:nvPicPr>
+        <p:blipFill>
+          <a:blip r:embed="rId2"/>
+          <a:stretch>
+            <a:fillRect/>
+          </a:stretch>
+        </p:blipFill>
+        <p:spPr>
+          <a:xfrm>
+            <a:off x="2729459" y="3429000"/>
+            <a:ext cx="3429000" cy="2895600"/>
+          </a:xfrm>
+          <a:prstGeom prst="rect">
+            <a:avLst/>
+          </a:prstGeom>
+        </p:spPr>
+      </p:pic>
     </p:spTree>
     <p:extLst>
       <p:ext uri="{BB962C8B-B14F-4D97-AF65-F5344CB8AC3E}">
-        <p14:creationId xmlns:p14="http://schemas.microsoft.com/office/powerpoint/2010/main" val="1535987852"/>
+        <p14:creationId xmlns:p14="http://schemas.microsoft.com/office/powerpoint/2010/main" val="1001742359"/>
       </p:ext>
     </p:extLst>
   </p:cSld>
@@ -11227,11 +10501,31 @@
             </a:r>
           </a:p>
           <a:p>
-            <a:pPr marL="514350" indent="-514350">
+            <a:pPr marL="457200" indent="-457200">
               <a:buFont typeface="+mj-lt"/>
-              <a:buAutoNum type="alphaUcPeriod" startAt="2"/>
-            </a:pPr>
-            <a:endParaRPr lang="en-US" sz="2600" b="1" i="1" dirty="0" smtClean="0">
+              <a:buAutoNum type="arabicParenR"/>
+            </a:pPr>
+            <a:r>
+              <a:rPr lang="en-US" sz="2400" i="1" dirty="0" smtClean="0">
+                <a:solidFill>
+                  <a:schemeClr val="bg1">
+                    <a:lumMod val="65000"/>
+                  </a:schemeClr>
+                </a:solidFill>
+              </a:rPr>
+              <a:t>Use a registry tier system </a:t>
+            </a:r>
+            <a:r>
+              <a:rPr lang="en-US" sz="2400" i="1" dirty="0">
+                <a:solidFill>
+                  <a:schemeClr val="bg1">
+                    <a:lumMod val="65000"/>
+                  </a:schemeClr>
+                </a:solidFill>
+              </a:rPr>
+              <a:t>that reflects actual risk of sexual re-offending (informed by the risk-assessment conducted post-conviction).</a:t>
+            </a:r>
+            <a:endParaRPr lang="en-US" sz="2400" i="1" dirty="0" smtClean="0">
               <a:solidFill>
                 <a:schemeClr val="bg1">
                   <a:lumMod val="65000"/>
@@ -11242,24 +10536,16 @@
           <a:p>
             <a:pPr marL="457200" indent="-457200">
               <a:buFont typeface="+mj-lt"/>
-              <a:buAutoNum type="arabicParenR" startAt="2"/>
+              <a:buAutoNum type="alphaLcPeriod" startAt="2"/>
             </a:pPr>
             <a:r>
               <a:rPr lang="en-US" sz="2400" dirty="0" smtClean="0"/>
-              <a:t>Improve </a:t>
+              <a:t>In </a:t>
             </a:r>
             <a:r>
               <a:rPr lang="en-US" sz="2400" dirty="0"/>
-              <a:t>the accuracy of the terminology currently used for lifetime registrants by referring to them as “Lifetime Registrant” instead of “Sexual Predator.”</a:t>
-            </a:r>
-            <a:endParaRPr lang="en-US" sz="2400" dirty="0" smtClean="0"/>
-          </a:p>
-          <a:p>
-            <a:pPr marL="457200" indent="-457200">
-              <a:buFont typeface="+mj-lt"/>
-              <a:buAutoNum type="arabicParenR" startAt="2"/>
-            </a:pPr>
-            <a:endParaRPr lang="en-US" sz="2400" dirty="0" smtClean="0"/>
+              <a:t>addition to the lower levels automatically coming off the public registry after their set duration (i.e. 5 years, 10 years, etc.), registrants should be allowed the potential to be removed from the public registry (i.e. petition to be removed if they meet certain criteria).</a:t>
+            </a:r>
           </a:p>
           <a:p>
             <a:pPr marL="0" lvl="0" indent="0">
@@ -11287,7 +10573,7 @@
             <a:fld id="{20D0EAAA-6D7F-4571-B92A-95FFA4AEE662}" type="datetime1">
               <a:rPr lang="en-US" altLang="en-US" smtClean="0"/>
               <a:pPr/>
-              <a:t>6/9/2017</a:t>
+              <a:t>6/14/2017</a:t>
             </a:fld>
             <a:r>
               <a:rPr lang="en-US" altLang="en-US" smtClean="0"/>
@@ -11305,7 +10591,7 @@
     </p:spTree>
     <p:extLst>
       <p:ext uri="{BB962C8B-B14F-4D97-AF65-F5344CB8AC3E}">
-        <p14:creationId xmlns:p14="http://schemas.microsoft.com/office/powerpoint/2010/main" val="2512254282"/>
+        <p14:creationId xmlns:p14="http://schemas.microsoft.com/office/powerpoint/2010/main" val="1535987852"/>
       </p:ext>
     </p:extLst>
   </p:cSld>
@@ -11383,62 +10669,22 @@
           <a:p>
             <a:pPr marL="457200" indent="-457200">
               <a:buFont typeface="+mj-lt"/>
-              <a:buAutoNum type="arabicParenR" startAt="3"/>
+              <a:buAutoNum type="arabicParenR" startAt="2"/>
             </a:pPr>
             <a:r>
               <a:rPr lang="en-US" sz="2400" dirty="0" smtClean="0"/>
-              <a:t>The public </a:t>
+              <a:t>Improve </a:t>
             </a:r>
             <a:r>
               <a:rPr lang="en-US" sz="2400" dirty="0"/>
-              <a:t>registry should only contain persons convicted of a sex offense</a:t>
-            </a:r>
-            <a:r>
-              <a:rPr lang="en-US" sz="2400" dirty="0" smtClean="0"/>
-              <a:t>.</a:t>
-            </a:r>
+              <a:t>the accuracy of the terminology currently used for lifetime registrants by referring to them as “Lifetime Registrant” instead of “Sexual Predator.”</a:t>
+            </a:r>
+            <a:endParaRPr lang="en-US" sz="2400" dirty="0" smtClean="0"/>
           </a:p>
           <a:p>
             <a:pPr marL="457200" indent="-457200">
               <a:buFont typeface="+mj-lt"/>
-              <a:buAutoNum type="alphaLcPeriod"/>
-            </a:pPr>
-            <a:r>
-              <a:rPr lang="en-US" sz="2400" dirty="0" smtClean="0"/>
-              <a:t>Remove </a:t>
-            </a:r>
-            <a:r>
-              <a:rPr lang="en-US" sz="2400" dirty="0"/>
-              <a:t>persons convicted of murder from the sex offender registry </a:t>
-            </a:r>
-            <a:r>
-              <a:rPr lang="en-US" sz="2400" dirty="0" smtClean="0"/>
-              <a:t>act.</a:t>
-            </a:r>
-          </a:p>
-          <a:p>
-            <a:pPr marL="457200" indent="-457200">
-              <a:buFont typeface="+mj-lt"/>
-              <a:buAutoNum type="alphaLcPeriod"/>
-            </a:pPr>
-            <a:r>
-              <a:rPr lang="en-US" sz="2400" dirty="0" smtClean="0"/>
-              <a:t>Remove </a:t>
-            </a:r>
-            <a:r>
-              <a:rPr lang="en-US" sz="2400" dirty="0"/>
-              <a:t>statutory requirements that stipulate any new felony (not for a sex offense) triggers retroactive registration for certain </a:t>
-            </a:r>
-            <a:r>
-              <a:rPr lang="en-US" sz="2400" dirty="0" smtClean="0"/>
-              <a:t>individuals.</a:t>
-            </a:r>
-            <a:endParaRPr lang="en-US" sz="2400" dirty="0"/>
-          </a:p>
-          <a:p>
-            <a:pPr marL="457200" indent="-457200">
-              <a:buFont typeface="+mj-lt"/>
-              <a:buAutoNum type="arabicParenR" startAt="3"/>
+              <a:buAutoNum type="arabicParenR" startAt="2"/>
             </a:pPr>
             <a:endParaRPr lang="en-US" sz="2400" dirty="0" smtClean="0"/>
           </a:p>
@@ -11468,7 +10714,7 @@
             <a:fld id="{20D0EAAA-6D7F-4571-B92A-95FFA4AEE662}" type="datetime1">
               <a:rPr lang="en-US" altLang="en-US" smtClean="0"/>
               <a:pPr/>
-              <a:t>6/9/2017</a:t>
+              <a:t>6/14/2017</a:t>
             </a:fld>
             <a:r>
               <a:rPr lang="en-US" altLang="en-US" smtClean="0"/>
@@ -11486,7 +10732,7 @@
     </p:spTree>
     <p:extLst>
       <p:ext uri="{BB962C8B-B14F-4D97-AF65-F5344CB8AC3E}">
-        <p14:creationId xmlns:p14="http://schemas.microsoft.com/office/powerpoint/2010/main" val="23449501"/>
+        <p14:creationId xmlns:p14="http://schemas.microsoft.com/office/powerpoint/2010/main" val="2512254282"/>
       </p:ext>
     </p:extLst>
   </p:cSld>
@@ -11535,44 +10781,49 @@
           <a:p>
             <a:pPr marL="514350" indent="-514350">
               <a:buFont typeface="+mj-lt"/>
-              <a:buAutoNum type="alphaUcPeriod" startAt="3"/>
-            </a:pPr>
-            <a:r>
-              <a:rPr lang="en-US" sz="2600" b="1" dirty="0" smtClean="0"/>
-              <a:t>Lessen Current Restrictions</a:t>
+              <a:buAutoNum type="alphaUcPeriod" startAt="2"/>
+            </a:pPr>
+            <a:r>
+              <a:rPr lang="en-US" sz="2600" b="1" i="1" dirty="0" smtClean="0">
+                <a:solidFill>
+                  <a:schemeClr val="bg1">
+                    <a:lumMod val="65000"/>
+                  </a:schemeClr>
+                </a:solidFill>
+              </a:rPr>
+              <a:t>Reform Current Registry</a:t>
             </a:r>
           </a:p>
           <a:p>
             <a:pPr marL="514350" indent="-514350">
               <a:buFont typeface="+mj-lt"/>
-              <a:buAutoNum type="alphaUcPeriod" startAt="3"/>
-            </a:pPr>
-            <a:endParaRPr lang="en-US" sz="2600" b="1" dirty="0" smtClean="0"/>
+              <a:buAutoNum type="alphaUcPeriod" startAt="2"/>
+            </a:pPr>
+            <a:endParaRPr lang="en-US" sz="2600" b="1" i="1" dirty="0" smtClean="0">
+              <a:solidFill>
+                <a:schemeClr val="bg1">
+                  <a:lumMod val="65000"/>
+                </a:schemeClr>
+              </a:solidFill>
+            </a:endParaRPr>
           </a:p>
           <a:p>
             <a:pPr marL="457200" indent="-457200">
               <a:buFont typeface="+mj-lt"/>
-              <a:buAutoNum type="arabicParenR"/>
+              <a:buAutoNum type="arabicParenR" startAt="3"/>
             </a:pPr>
             <a:r>
               <a:rPr lang="en-US" sz="2400" dirty="0" smtClean="0"/>
-              <a:t>Limit residence </a:t>
+              <a:t>The public </a:t>
             </a:r>
             <a:r>
               <a:rPr lang="en-US" sz="2400" dirty="0"/>
-              <a:t>restrictions for persons convicted of a sex offense to only while they are on the public registry</a:t>
+              <a:t>registry should only contain persons convicted of a sex offense</a:t>
             </a:r>
             <a:r>
               <a:rPr lang="en-US" sz="2400" dirty="0" smtClean="0"/>
               <a:t>.</a:t>
             </a:r>
-          </a:p>
-          <a:p>
-            <a:pPr marL="457200" indent="-457200">
-              <a:buFont typeface="+mj-lt"/>
-              <a:buAutoNum type="arabicParenR"/>
-            </a:pPr>
-            <a:endParaRPr lang="en-US" sz="2400" dirty="0" smtClean="0"/>
           </a:p>
           <a:p>
             <a:pPr marL="457200" indent="-457200">
@@ -11581,16 +10832,42 @@
             </a:pPr>
             <a:r>
               <a:rPr lang="en-US" sz="2400" dirty="0" smtClean="0"/>
-              <a:t>Tailor </a:t>
+              <a:t>Remove </a:t>
             </a:r>
             <a:r>
               <a:rPr lang="en-US" sz="2400" dirty="0"/>
-              <a:t>restrictions to the different tiers, with the highest risk tiers having the most restrictions</a:t>
-            </a:r>
-            <a:r>
-              <a:rPr lang="en-US" sz="2000" dirty="0"/>
-              <a:t>.</a:t>
-            </a:r>
+              <a:t>persons convicted of murder from the sex offender registry </a:t>
+            </a:r>
+            <a:r>
+              <a:rPr lang="en-US" sz="2400" dirty="0" smtClean="0"/>
+              <a:t>act.</a:t>
+            </a:r>
+          </a:p>
+          <a:p>
+            <a:pPr marL="457200" indent="-457200">
+              <a:buFont typeface="+mj-lt"/>
+              <a:buAutoNum type="alphaLcPeriod"/>
+            </a:pPr>
+            <a:r>
+              <a:rPr lang="en-US" sz="2400" dirty="0" smtClean="0"/>
+              <a:t>Remove </a:t>
+            </a:r>
+            <a:r>
+              <a:rPr lang="en-US" sz="2400" dirty="0"/>
+              <a:t>statutory requirements that stipulate any new felony (not for a sex offense) triggers retroactive registration for certain </a:t>
+            </a:r>
+            <a:r>
+              <a:rPr lang="en-US" sz="2400" dirty="0" smtClean="0"/>
+              <a:t>individuals.</a:t>
+            </a:r>
+            <a:endParaRPr lang="en-US" sz="2400" dirty="0"/>
+          </a:p>
+          <a:p>
+            <a:pPr marL="457200" indent="-457200">
+              <a:buFont typeface="+mj-lt"/>
+              <a:buAutoNum type="arabicParenR" startAt="3"/>
+            </a:pPr>
+            <a:endParaRPr lang="en-US" sz="2400" dirty="0" smtClean="0"/>
           </a:p>
           <a:p>
             <a:pPr marL="0" lvl="0" indent="0">
@@ -11618,7 +10895,7 @@
             <a:fld id="{20D0EAAA-6D7F-4571-B92A-95FFA4AEE662}" type="datetime1">
               <a:rPr lang="en-US" altLang="en-US" smtClean="0"/>
               <a:pPr/>
-              <a:t>6/9/2017</a:t>
+              <a:t>6/14/2017</a:t>
             </a:fld>
             <a:r>
               <a:rPr lang="en-US" altLang="en-US" smtClean="0"/>
@@ -11636,7 +10913,7 @@
     </p:spTree>
     <p:extLst>
       <p:ext uri="{BB962C8B-B14F-4D97-AF65-F5344CB8AC3E}">
-        <p14:creationId xmlns:p14="http://schemas.microsoft.com/office/powerpoint/2010/main" val="764091629"/>
+        <p14:creationId xmlns:p14="http://schemas.microsoft.com/office/powerpoint/2010/main" val="23449501"/>
       </p:ext>
     </p:extLst>
   </p:cSld>
@@ -11676,7 +10953,7 @@
         <p:spPr>
           <a:xfrm>
             <a:off x="228600" y="1066800"/>
-            <a:ext cx="8430718" cy="1371600"/>
+            <a:ext cx="8430718" cy="5257800"/>
           </a:xfrm>
         </p:spPr>
         <p:txBody>
@@ -11688,35 +10965,59 @@
               <a:buAutoNum type="alphaUcPeriod" startAt="3"/>
             </a:pPr>
             <a:r>
-              <a:rPr lang="en-US" sz="2600" b="1" i="1" dirty="0" smtClean="0">
-                <a:solidFill>
-                  <a:schemeClr val="bg1">
-                    <a:lumMod val="65000"/>
-                  </a:schemeClr>
-                </a:solidFill>
-              </a:rPr>
+              <a:rPr lang="en-US" sz="2600" b="1" dirty="0" smtClean="0"/>
               <a:t>Lessen Current Restrictions</a:t>
             </a:r>
+          </a:p>
+          <a:p>
+            <a:pPr marL="514350" indent="-514350">
+              <a:buFont typeface="+mj-lt"/>
+              <a:buAutoNum type="alphaUcPeriod" startAt="3"/>
+            </a:pPr>
             <a:endParaRPr lang="en-US" sz="2600" b="1" dirty="0" smtClean="0"/>
           </a:p>
           <a:p>
             <a:pPr marL="457200" indent="-457200">
               <a:buFont typeface="+mj-lt"/>
-              <a:buAutoNum type="arabicParenR" startAt="2"/>
-            </a:pPr>
-            <a:r>
-              <a:rPr lang="en-US" sz="2500" dirty="0" smtClean="0"/>
-              <a:t>Revise </a:t>
-            </a:r>
-            <a:r>
-              <a:rPr lang="en-US" sz="2500" dirty="0"/>
-              <a:t>the time on Mandatory Supervised Release (MSR) for persons convicted of sex offenses</a:t>
-            </a:r>
-            <a:r>
-              <a:rPr lang="en-US" sz="2500" dirty="0" smtClean="0"/>
+              <a:buAutoNum type="arabicParenR"/>
+            </a:pPr>
+            <a:r>
+              <a:rPr lang="en-US" sz="2400" dirty="0" smtClean="0"/>
+              <a:t>Limit residence </a:t>
+            </a:r>
+            <a:r>
+              <a:rPr lang="en-US" sz="2400" dirty="0"/>
+              <a:t>restrictions for persons convicted of a sex offense to only while they are on the public registry</a:t>
+            </a:r>
+            <a:r>
+              <a:rPr lang="en-US" sz="2400" dirty="0" smtClean="0"/>
               <a:t>.</a:t>
             </a:r>
+          </a:p>
+          <a:p>
+            <a:pPr marL="457200" indent="-457200">
+              <a:buFont typeface="+mj-lt"/>
+              <a:buAutoNum type="arabicParenR"/>
+            </a:pPr>
             <a:endParaRPr lang="en-US" sz="2400" dirty="0" smtClean="0"/>
+          </a:p>
+          <a:p>
+            <a:pPr marL="457200" indent="-457200">
+              <a:buFont typeface="+mj-lt"/>
+              <a:buAutoNum type="alphaLcPeriod"/>
+            </a:pPr>
+            <a:r>
+              <a:rPr lang="en-US" sz="2400" dirty="0" smtClean="0"/>
+              <a:t>Tailor </a:t>
+            </a:r>
+            <a:r>
+              <a:rPr lang="en-US" sz="2400" dirty="0"/>
+              <a:t>restrictions to the different tiers, with the highest risk tiers having the most restrictions</a:t>
+            </a:r>
+            <a:r>
+              <a:rPr lang="en-US" sz="2000" dirty="0"/>
+              <a:t>.</a:t>
+            </a:r>
           </a:p>
           <a:p>
             <a:pPr marL="0" lvl="0" indent="0">
@@ -11744,7 +11045,7 @@
             <a:fld id="{20D0EAAA-6D7F-4571-B92A-95FFA4AEE662}" type="datetime1">
               <a:rPr lang="en-US" altLang="en-US" smtClean="0"/>
               <a:pPr/>
-              <a:t>6/9/2017</a:t>
+              <a:t>6/14/2017</a:t>
             </a:fld>
             <a:r>
               <a:rPr lang="en-US" altLang="en-US" smtClean="0"/>
@@ -11759,105 +11060,10 @@
           </a:p>
         </p:txBody>
       </p:sp>
-      <p:sp>
-        <p:nvSpPr>
-          <p:cNvPr id="2" name="Rectangle 1"/>
-          <p:cNvSpPr/>
-          <p:nvPr/>
-        </p:nvSpPr>
-        <p:spPr>
-          <a:xfrm>
-            <a:off x="234538" y="2441368"/>
-            <a:ext cx="4870862" cy="3816429"/>
-          </a:xfrm>
-          <a:prstGeom prst="rect">
-            <a:avLst/>
-          </a:prstGeom>
-        </p:spPr>
-        <p:txBody>
-          <a:bodyPr wrap="square">
-            <a:spAutoFit/>
-          </a:bodyPr>
-          <a:lstStyle/>
-          <a:p>
-            <a:pPr marL="457200" indent="-457200">
-              <a:buFont typeface="+mj-lt"/>
-              <a:buAutoNum type="alphaLcPeriod"/>
-            </a:pPr>
-            <a:r>
-              <a:rPr lang="en-US" sz="2200" dirty="0">
-                <a:latin typeface="+mn-lt"/>
-              </a:rPr>
-              <a:t>Those individuals determined to be not the highest risk (i.e., Tiers 1-3), as determined by a validated, structured risk assessment, should have maximum MSR sentences of 3 years.</a:t>
-            </a:r>
-          </a:p>
-          <a:p>
-            <a:pPr marL="457200" indent="-457200">
-              <a:buFont typeface="+mj-lt"/>
-              <a:buAutoNum type="alphaLcPeriod"/>
-            </a:pPr>
-            <a:r>
-              <a:rPr lang="en-US" sz="2200" dirty="0">
-                <a:latin typeface="+mn-lt"/>
-              </a:rPr>
-              <a:t>Only the highest risk individuals (e.g., Tier </a:t>
-            </a:r>
-            <a:r>
-              <a:rPr lang="en-US" sz="2200" dirty="0" err="1">
-                <a:latin typeface="+mn-lt"/>
-              </a:rPr>
-              <a:t>IVa</a:t>
-            </a:r>
-            <a:r>
-              <a:rPr lang="en-US" sz="2200" dirty="0">
-                <a:latin typeface="+mn-lt"/>
-              </a:rPr>
-              <a:t> and </a:t>
-            </a:r>
-            <a:r>
-              <a:rPr lang="en-US" sz="2200" dirty="0" err="1">
-                <a:latin typeface="+mn-lt"/>
-              </a:rPr>
-              <a:t>IVb</a:t>
-            </a:r>
-            <a:r>
-              <a:rPr lang="en-US" sz="2200" dirty="0">
-                <a:latin typeface="+mn-lt"/>
-              </a:rPr>
-              <a:t>), as determined by a validated, structured risk assessment, should have MSR sentences beyond 3 years.</a:t>
-            </a:r>
-            <a:endParaRPr lang="en-US" sz="2200" dirty="0">
-              <a:latin typeface="+mn-lt"/>
-            </a:endParaRPr>
-          </a:p>
-        </p:txBody>
-      </p:sp>
-      <p:pic>
-        <p:nvPicPr>
-          <p:cNvPr id="6" name="Picture 5"/>
-          <p:cNvPicPr/>
-          <p:nvPr/>
-        </p:nvPicPr>
-        <p:blipFill>
-          <a:blip r:embed="rId2"/>
-          <a:stretch>
-            <a:fillRect/>
-          </a:stretch>
-        </p:blipFill>
-        <p:spPr>
-          <a:xfrm>
-            <a:off x="5181600" y="2543798"/>
-            <a:ext cx="3810000" cy="3352800"/>
-          </a:xfrm>
-          <a:prstGeom prst="rect">
-            <a:avLst/>
-          </a:prstGeom>
-        </p:spPr>
-      </p:pic>
     </p:spTree>
     <p:extLst>
       <p:ext uri="{BB962C8B-B14F-4D97-AF65-F5344CB8AC3E}">
-        <p14:creationId xmlns:p14="http://schemas.microsoft.com/office/powerpoint/2010/main" val="3477601288"/>
+        <p14:creationId xmlns:p14="http://schemas.microsoft.com/office/powerpoint/2010/main" val="764091629"/>
       </p:ext>
     </p:extLst>
   </p:cSld>
@@ -11897,7 +11103,7 @@
         <p:spPr>
           <a:xfrm>
             <a:off x="228600" y="1066800"/>
-            <a:ext cx="8430718" cy="5257800"/>
+            <a:ext cx="8430718" cy="1371600"/>
           </a:xfrm>
         </p:spPr>
         <p:txBody>
@@ -11918,42 +11124,25 @@
               </a:rPr>
               <a:t>Lessen Current Restrictions</a:t>
             </a:r>
-          </a:p>
-          <a:p>
-            <a:pPr marL="514350" indent="-514350">
-              <a:buFont typeface="+mj-lt"/>
-              <a:buAutoNum type="alphaUcPeriod" startAt="3"/>
-            </a:pPr>
             <a:endParaRPr lang="en-US" sz="2600" b="1" dirty="0" smtClean="0"/>
           </a:p>
           <a:p>
             <a:pPr marL="457200" indent="-457200">
               <a:buFont typeface="+mj-lt"/>
-              <a:buAutoNum type="arabicParenR" startAt="3"/>
+              <a:buAutoNum type="arabicParenR" startAt="2"/>
             </a:pPr>
             <a:r>
               <a:rPr lang="en-US" sz="2500" dirty="0" smtClean="0"/>
-              <a:t>Implement </a:t>
+              <a:t>Revise </a:t>
             </a:r>
             <a:r>
               <a:rPr lang="en-US" sz="2500" dirty="0"/>
-              <a:t>sanctions for those who take information from the registry, </a:t>
-            </a:r>
-            <a:r>
-              <a:rPr lang="en-US" sz="2500" u="sng" dirty="0"/>
-              <a:t>do not</a:t>
-            </a:r>
-            <a:r>
-              <a:rPr lang="en-US" sz="2500" dirty="0"/>
-              <a:t> keep it updated or current, and share it with others.</a:t>
-            </a:r>
-            <a:endParaRPr lang="en-US" sz="2500" dirty="0" smtClean="0"/>
-          </a:p>
-          <a:p>
-            <a:pPr marL="457200" indent="-457200">
-              <a:buFont typeface="+mj-lt"/>
-              <a:buAutoNum type="arabicParenR" startAt="3"/>
-            </a:pPr>
+              <a:t>the time on Mandatory Supervised Release (MSR) for persons convicted of sex offenses</a:t>
+            </a:r>
+            <a:r>
+              <a:rPr lang="en-US" sz="2500" dirty="0" smtClean="0"/>
+              <a:t>.</a:t>
+            </a:r>
             <a:endParaRPr lang="en-US" sz="2400" dirty="0" smtClean="0"/>
           </a:p>
           <a:p>
@@ -11982,7 +11171,7 @@
             <a:fld id="{20D0EAAA-6D7F-4571-B92A-95FFA4AEE662}" type="datetime1">
               <a:rPr lang="en-US" altLang="en-US" smtClean="0"/>
               <a:pPr/>
-              <a:t>6/9/2017</a:t>
+              <a:t>6/14/2017</a:t>
             </a:fld>
             <a:r>
               <a:rPr lang="en-US" altLang="en-US" smtClean="0"/>
@@ -11997,10 +11186,102 @@
           </a:p>
         </p:txBody>
       </p:sp>
+      <p:sp>
+        <p:nvSpPr>
+          <p:cNvPr id="2" name="Rectangle 1"/>
+          <p:cNvSpPr/>
+          <p:nvPr/>
+        </p:nvSpPr>
+        <p:spPr>
+          <a:xfrm>
+            <a:off x="234538" y="2441368"/>
+            <a:ext cx="4870862" cy="3816429"/>
+          </a:xfrm>
+          <a:prstGeom prst="rect">
+            <a:avLst/>
+          </a:prstGeom>
+        </p:spPr>
+        <p:txBody>
+          <a:bodyPr wrap="square">
+            <a:spAutoFit/>
+          </a:bodyPr>
+          <a:lstStyle/>
+          <a:p>
+            <a:pPr marL="457200" indent="-457200">
+              <a:buFont typeface="+mj-lt"/>
+              <a:buAutoNum type="alphaLcPeriod"/>
+            </a:pPr>
+            <a:r>
+              <a:rPr lang="en-US" sz="2200" dirty="0">
+                <a:latin typeface="+mn-lt"/>
+              </a:rPr>
+              <a:t>Those individuals determined to be not the highest risk (i.e., Tiers 1-3), as determined by a validated, structured risk assessment, should have maximum MSR sentences of 3 years.</a:t>
+            </a:r>
+          </a:p>
+          <a:p>
+            <a:pPr marL="457200" indent="-457200">
+              <a:buFont typeface="+mj-lt"/>
+              <a:buAutoNum type="alphaLcPeriod"/>
+            </a:pPr>
+            <a:r>
+              <a:rPr lang="en-US" sz="2200" dirty="0">
+                <a:latin typeface="+mn-lt"/>
+              </a:rPr>
+              <a:t>Only the highest risk individuals (e.g., Tier </a:t>
+            </a:r>
+            <a:r>
+              <a:rPr lang="en-US" sz="2200" dirty="0" err="1">
+                <a:latin typeface="+mn-lt"/>
+              </a:rPr>
+              <a:t>IVa</a:t>
+            </a:r>
+            <a:r>
+              <a:rPr lang="en-US" sz="2200" dirty="0">
+                <a:latin typeface="+mn-lt"/>
+              </a:rPr>
+              <a:t> and </a:t>
+            </a:r>
+            <a:r>
+              <a:rPr lang="en-US" sz="2200" dirty="0" err="1">
+                <a:latin typeface="+mn-lt"/>
+              </a:rPr>
+              <a:t>IVb</a:t>
+            </a:r>
+            <a:r>
+              <a:rPr lang="en-US" sz="2200" dirty="0">
+                <a:latin typeface="+mn-lt"/>
+              </a:rPr>
+              <a:t>), as determined by a validated, structured risk assessment, should have MSR sentences beyond 3 years.</a:t>
+            </a:r>
+          </a:p>
+        </p:txBody>
+      </p:sp>
+      <p:pic>
+        <p:nvPicPr>
+          <p:cNvPr id="6" name="Picture 5"/>
+          <p:cNvPicPr/>
+          <p:nvPr/>
+        </p:nvPicPr>
+        <p:blipFill>
+          <a:blip r:embed="rId2"/>
+          <a:stretch>
+            <a:fillRect/>
+          </a:stretch>
+        </p:blipFill>
+        <p:spPr>
+          <a:xfrm>
+            <a:off x="5181600" y="2543798"/>
+            <a:ext cx="3810000" cy="3352800"/>
+          </a:xfrm>
+          <a:prstGeom prst="rect">
+            <a:avLst/>
+          </a:prstGeom>
+        </p:spPr>
+      </p:pic>
     </p:spTree>
     <p:extLst>
       <p:ext uri="{BB962C8B-B14F-4D97-AF65-F5344CB8AC3E}">
-        <p14:creationId xmlns:p14="http://schemas.microsoft.com/office/powerpoint/2010/main" val="71472454"/>
+        <p14:creationId xmlns:p14="http://schemas.microsoft.com/office/powerpoint/2010/main" val="3477601288"/>
       </p:ext>
     </p:extLst>
   </p:cSld>
@@ -12049,75 +11330,55 @@
           <a:p>
             <a:pPr marL="514350" indent="-514350">
               <a:buFont typeface="+mj-lt"/>
-              <a:buAutoNum type="alphaUcPeriod" startAt="4"/>
-            </a:pPr>
-            <a:r>
-              <a:rPr lang="en-US" sz="2600" b="1" dirty="0" smtClean="0"/>
-              <a:t>Infrastructure Concerns</a:t>
+              <a:buAutoNum type="alphaUcPeriod" startAt="3"/>
+            </a:pPr>
+            <a:r>
+              <a:rPr lang="en-US" sz="2600" b="1" i="1" dirty="0" smtClean="0">
+                <a:solidFill>
+                  <a:schemeClr val="bg1">
+                    <a:lumMod val="65000"/>
+                  </a:schemeClr>
+                </a:solidFill>
+              </a:rPr>
+              <a:t>Lessen Current Restrictions</a:t>
             </a:r>
           </a:p>
           <a:p>
             <a:pPr marL="514350" indent="-514350">
               <a:buFont typeface="+mj-lt"/>
-              <a:buAutoNum type="alphaUcPeriod" startAt="4"/>
+              <a:buAutoNum type="alphaUcPeriod" startAt="3"/>
             </a:pPr>
             <a:endParaRPr lang="en-US" sz="2600" b="1" dirty="0" smtClean="0"/>
           </a:p>
           <a:p>
             <a:pPr marL="457200" indent="-457200">
               <a:buFont typeface="+mj-lt"/>
-              <a:buAutoNum type="arabicParenR"/>
+              <a:buAutoNum type="arabicParenR" startAt="3"/>
             </a:pPr>
             <a:r>
               <a:rPr lang="en-US" sz="2500" dirty="0" smtClean="0"/>
-              <a:t>Restructure and Strengthen SOMB</a:t>
-            </a:r>
+              <a:t>Implement </a:t>
+            </a:r>
+            <a:r>
+              <a:rPr lang="en-US" sz="2500" dirty="0"/>
+              <a:t>sanctions for those who take information from the registry, </a:t>
+            </a:r>
+            <a:r>
+              <a:rPr lang="en-US" sz="2500" u="sng" dirty="0"/>
+              <a:t>do not</a:t>
+            </a:r>
+            <a:r>
+              <a:rPr lang="en-US" sz="2500" dirty="0"/>
+              <a:t> keep it updated or current, and share it with others.</a:t>
+            </a:r>
+            <a:endParaRPr lang="en-US" sz="2500" dirty="0" smtClean="0"/>
           </a:p>
           <a:p>
             <a:pPr marL="457200" indent="-457200">
               <a:buFont typeface="+mj-lt"/>
-              <a:buAutoNum type="arabicParenR"/>
+              <a:buAutoNum type="arabicParenR" startAt="3"/>
             </a:pPr>
             <a:endParaRPr lang="en-US" sz="2400" dirty="0" smtClean="0"/>
-          </a:p>
-          <a:p>
-            <a:pPr marL="457200" indent="-457200">
-              <a:buFont typeface="+mj-lt"/>
-              <a:buAutoNum type="alphaLcPeriod"/>
-            </a:pPr>
-            <a:r>
-              <a:rPr lang="en-US" sz="2400" dirty="0" smtClean="0"/>
-              <a:t>Establish </a:t>
-            </a:r>
-            <a:r>
-              <a:rPr lang="en-US" sz="2400" dirty="0"/>
-              <a:t>SOMB as an independent agency that is staffed and directed by an expert with a clinical background specializing in sex offender assessment and treatment</a:t>
-            </a:r>
-            <a:r>
-              <a:rPr lang="en-US" sz="2400" dirty="0" smtClean="0"/>
-              <a:t>.</a:t>
-            </a:r>
-          </a:p>
-          <a:p>
-            <a:pPr marL="457200" indent="-457200">
-              <a:buFont typeface="+mj-lt"/>
-              <a:buAutoNum type="alphaLcPeriod"/>
-            </a:pPr>
-            <a:endParaRPr lang="en-US" sz="2400" dirty="0"/>
-          </a:p>
-          <a:p>
-            <a:pPr marL="457200" indent="-457200">
-              <a:buFont typeface="+mj-lt"/>
-              <a:buAutoNum type="alphaLcPeriod"/>
-            </a:pPr>
-            <a:r>
-              <a:rPr lang="en-US" sz="2400" dirty="0" smtClean="0"/>
-              <a:t>Add training </a:t>
-            </a:r>
-            <a:r>
-              <a:rPr lang="en-US" sz="2400" dirty="0"/>
-              <a:t>around the registry (including judicial training) as a function of SOMB.</a:t>
-            </a:r>
           </a:p>
           <a:p>
             <a:pPr marL="0" lvl="0" indent="0">
@@ -12145,7 +11406,7 @@
             <a:fld id="{20D0EAAA-6D7F-4571-B92A-95FFA4AEE662}" type="datetime1">
               <a:rPr lang="en-US" altLang="en-US" smtClean="0"/>
               <a:pPr/>
-              <a:t>6/9/2017</a:t>
+              <a:t>6/14/2017</a:t>
             </a:fld>
             <a:r>
               <a:rPr lang="en-US" altLang="en-US" smtClean="0"/>
@@ -12163,7 +11424,7 @@
     </p:spTree>
     <p:extLst>
       <p:ext uri="{BB962C8B-B14F-4D97-AF65-F5344CB8AC3E}">
-        <p14:creationId xmlns:p14="http://schemas.microsoft.com/office/powerpoint/2010/main" val="4109114274"/>
+        <p14:creationId xmlns:p14="http://schemas.microsoft.com/office/powerpoint/2010/main" val="71472454"/>
       </p:ext>
     </p:extLst>
   </p:cSld>
@@ -12283,7 +11544,7 @@
             <a:fld id="{20D0EAAA-6D7F-4571-B92A-95FFA4AEE662}" type="datetime1">
               <a:rPr lang="en-US" altLang="en-US" smtClean="0"/>
               <a:pPr/>
-              <a:t>6/9/2017</a:t>
+              <a:t>6/14/2017</a:t>
             </a:fld>
             <a:r>
               <a:rPr lang="en-US" altLang="en-US" smtClean="0"/>
@@ -12649,7 +11910,7 @@
             <a:fld id="{20D0EAAA-6D7F-4571-B92A-95FFA4AEE662}" type="datetime1">
               <a:rPr lang="en-US" altLang="en-US" smtClean="0"/>
               <a:pPr/>
-              <a:t>6/9/2017</a:t>
+              <a:t>6/14/2017</a:t>
             </a:fld>
             <a:r>
               <a:rPr lang="en-US" altLang="en-US"/>
@@ -12740,7 +12001,7 @@
             <a:fld id="{20D0EAAA-6D7F-4571-B92A-95FFA4AEE662}" type="datetime1">
               <a:rPr lang="en-US" altLang="en-US" smtClean="0"/>
               <a:pPr/>
-              <a:t>6/9/2017</a:t>
+              <a:t>6/14/2017</a:t>
             </a:fld>
             <a:r>
               <a:rPr lang="en-US" altLang="en-US" dirty="0" smtClean="0"/>
@@ -12825,7 +12086,7 @@
             <a:fld id="{20D0EAAA-6D7F-4571-B92A-95FFA4AEE662}" type="datetime1">
               <a:rPr lang="en-US" altLang="en-US" smtClean="0"/>
               <a:pPr/>
-              <a:t>6/9/2017</a:t>
+              <a:t>6/14/2017</a:t>
             </a:fld>
             <a:r>
               <a:rPr lang="en-US" altLang="en-US" smtClean="0"/>
@@ -13249,7 +12510,7 @@
             <a:fld id="{20D0EAAA-6D7F-4571-B92A-95FFA4AEE662}" type="datetime1">
               <a:rPr lang="en-US" altLang="en-US" smtClean="0"/>
               <a:pPr/>
-              <a:t>6/9/2017</a:t>
+              <a:t>6/14/2017</a:t>
             </a:fld>
             <a:r>
               <a:rPr lang="en-US" altLang="en-US" smtClean="0"/>
@@ -13666,7 +12927,7 @@
             <a:fld id="{20D0EAAA-6D7F-4571-B92A-95FFA4AEE662}" type="datetime1">
               <a:rPr lang="en-US" altLang="en-US" smtClean="0"/>
               <a:pPr/>
-              <a:t>6/9/2017</a:t>
+              <a:t>6/14/2017</a:t>
             </a:fld>
             <a:r>
               <a:rPr lang="en-US" altLang="en-US" smtClean="0"/>
@@ -14111,7 +13372,7 @@
             <a:fld id="{20D0EAAA-6D7F-4571-B92A-95FFA4AEE662}" type="datetime1">
               <a:rPr lang="en-US" altLang="en-US" smtClean="0"/>
               <a:pPr/>
-              <a:t>6/9/2017</a:t>
+              <a:t>6/14/2017</a:t>
             </a:fld>
             <a:r>
               <a:rPr lang="en-US" altLang="en-US" smtClean="0"/>
@@ -14597,7 +13858,7 @@
             <a:fld id="{20D0EAAA-6D7F-4571-B92A-95FFA4AEE662}" type="datetime1">
               <a:rPr lang="en-US" altLang="en-US" smtClean="0"/>
               <a:pPr/>
-              <a:t>6/9/2017</a:t>
+              <a:t>6/14/2017</a:t>
             </a:fld>
             <a:r>
               <a:rPr lang="en-US" altLang="en-US" smtClean="0"/>
